--- a/Poster/VisualChirp_Forschungsatelier.pptx
+++ b/Poster/VisualChirp_Forschungsatelier.pptx
@@ -337,7 +337,7 @@
           <a:p>
             <a:fld id="{A70AE70C-D509-4E4B-9352-79C3D11520D1}" type="datetimeFigureOut">
               <a:rPr lang="de-DE" smtClean="0"/>
-              <a:t>23.05.2023</a:t>
+              <a:t>24.05.2023</a:t>
             </a:fld>
             <a:endParaRPr lang="de-DE"/>
           </a:p>
@@ -415,7 +415,7 @@
           <a:p>
             <a:fld id="{78E837A5-4E29-AD49-B1D8-E1C9E0E444DD}" type="slidenum">
               <a:rPr lang="de-DE" smtClean="0"/>
-              <a:t>‹#›</a:t>
+              <a:t>‹Nr.›</a:t>
             </a:fld>
             <a:endParaRPr lang="de-DE"/>
           </a:p>
@@ -514,7 +514,7 @@
           <a:p>
             <a:fld id="{B77602DA-7CEE-4298-AF4B-1C87D65BAB06}" type="datetimeFigureOut">
               <a:rPr lang="de-CH" smtClean="0"/>
-              <a:t>23.05.2023</a:t>
+              <a:t>24.05.2023</a:t>
             </a:fld>
             <a:endParaRPr lang="de-CH" dirty="0"/>
           </a:p>
@@ -673,7 +673,7 @@
           <a:p>
             <a:fld id="{B2B24C57-7758-4EF8-8A0E-FE171C8C1817}" type="slidenum">
               <a:rPr lang="de-CH" smtClean="0"/>
-              <a:t>‹#›</a:t>
+              <a:t>‹Nr.›</a:t>
             </a:fld>
             <a:endParaRPr lang="de-CH" dirty="0"/>
           </a:p>
@@ -1992,11 +1992,19 @@
           <a:lstStyle/>
           <a:p>
             <a:r>
-              <a:rPr lang="en-GB" sz="11000" dirty="0"/>
+              <a:rPr lang="en-GB" sz="11000" dirty="0">
+                <a:solidFill>
+                  <a:schemeClr val="tx1"/>
+                </a:solidFill>
+              </a:rPr>
               <a:t>Does vestibular stimulation actually modify the body schema?</a:t>
             </a:r>
             <a:r>
-              <a:rPr lang="de-DE" sz="11000" dirty="0"/>
+              <a:rPr lang="de-DE" sz="11000" dirty="0">
+                <a:solidFill>
+                  <a:schemeClr val="tx1"/>
+                </a:solidFill>
+              </a:rPr>
               <a:t> </a:t>
             </a:r>
           </a:p>
@@ -2189,8 +2197,8 @@
         </p:nvSpPr>
         <p:spPr>
           <a:xfrm>
-            <a:off x="881929" y="9829800"/>
-            <a:ext cx="13805622" cy="6435090"/>
+            <a:off x="881929" y="9829799"/>
+            <a:ext cx="9902612" cy="11572081"/>
           </a:xfrm>
           <a:prstGeom prst="rect">
             <a:avLst/>
@@ -2225,24 +2233,6 @@
           <a:lstStyle/>
           <a:p>
             <a:pPr algn="ctr"/>
-            <a:r>
-              <a:rPr lang="en-GB" sz="8000" dirty="0">
-                <a:solidFill>
-                  <a:schemeClr val="tx1"/>
-                </a:solidFill>
-              </a:rPr>
-              <a:t>Introduction</a:t>
-            </a:r>
-          </a:p>
-          <a:p>
-            <a:r>
-              <a:rPr lang="en-GB" sz="4000" dirty="0">
-                <a:solidFill>
-                  <a:schemeClr val="tx1"/>
-                </a:solidFill>
-              </a:rPr>
-              <a:t>The present study aims to investigate whether vestibular stimulation effectively modulates the body schema. Building upon previous research by Lopez et al. (2012) that supported this claim, our study seeks to replicate their findings using similar methods while adding an additional experimental condition involving a motion platform. Prior findings suggested that vestibular stimulation has significant effects on the representation of the hands.</a:t>
-            </a:r>
             <a:endParaRPr lang="en-CH" sz="4000" dirty="0">
               <a:solidFill>
                 <a:schemeClr val="tx1"/>
@@ -2265,8 +2255,8 @@
         </p:nvSpPr>
         <p:spPr>
           <a:xfrm>
-            <a:off x="881927" y="17109536"/>
-            <a:ext cx="13805622" cy="21307867"/>
+            <a:off x="881927" y="21891812"/>
+            <a:ext cx="9902612" cy="16525591"/>
           </a:xfrm>
           <a:prstGeom prst="rect">
             <a:avLst/>
@@ -2397,8 +2387,8 @@
         </p:nvSpPr>
         <p:spPr>
           <a:xfrm>
-            <a:off x="15587662" y="9780269"/>
-            <a:ext cx="13805622" cy="15717424"/>
+            <a:off x="11344349" y="19605812"/>
+            <a:ext cx="18048934" cy="7424846"/>
           </a:xfrm>
           <a:prstGeom prst="rect">
             <a:avLst/>
@@ -2463,8 +2453,8 @@
         </p:nvSpPr>
         <p:spPr>
           <a:xfrm>
-            <a:off x="15587662" y="25915619"/>
-            <a:ext cx="13805622" cy="12501784"/>
+            <a:off x="11344349" y="27568541"/>
+            <a:ext cx="18048935" cy="10848862"/>
           </a:xfrm>
           <a:prstGeom prst="rect">
             <a:avLst/>
@@ -2506,6 +2496,194 @@
                 </a:solidFill>
               </a:rPr>
               <a:t>Discussion</a:t>
+            </a:r>
+            <a:endParaRPr lang="en-CH" dirty="0">
+              <a:solidFill>
+                <a:schemeClr val="tx1"/>
+              </a:solidFill>
+            </a:endParaRPr>
+          </a:p>
+        </p:txBody>
+      </p:sp>
+      <p:sp>
+        <p:nvSpPr>
+          <p:cNvPr id="5" name="Textfeld 4">
+            <a:extLst>
+              <a:ext uri="{FF2B5EF4-FFF2-40B4-BE49-F238E27FC236}">
+                <a16:creationId xmlns:a16="http://schemas.microsoft.com/office/drawing/2014/main" id="{C67F7906-F0F7-0454-349E-1B41490A3C0A}"/>
+              </a:ext>
+            </a:extLst>
+          </p:cNvPr>
+          <p:cNvSpPr txBox="1"/>
+          <p:nvPr/>
+        </p:nvSpPr>
+        <p:spPr>
+          <a:xfrm>
+            <a:off x="1441740" y="10000357"/>
+            <a:ext cx="8751131" cy="10618291"/>
+          </a:xfrm>
+          <a:prstGeom prst="rect">
+            <a:avLst/>
+          </a:prstGeom>
+          <a:noFill/>
+        </p:spPr>
+        <p:txBody>
+          <a:bodyPr wrap="square" rtlCol="0">
+            <a:spAutoFit/>
+          </a:bodyPr>
+          <a:lstStyle/>
+          <a:p>
+            <a:pPr marL="1143000" indent="-1143000">
+              <a:lnSpc>
+                <a:spcPct val="150000"/>
+              </a:lnSpc>
+              <a:buAutoNum type="arabicPeriod"/>
+            </a:pPr>
+            <a:r>
+              <a:rPr lang="en-GB" sz="7200" dirty="0">
+                <a:solidFill>
+                  <a:schemeClr val="tx1"/>
+                </a:solidFill>
+              </a:rPr>
+              <a:t>Introduction</a:t>
+            </a:r>
+          </a:p>
+          <a:p>
+            <a:pPr marL="571500" indent="-571500">
+              <a:buFont typeface="Arial" panose="020B0604020202020204" pitchFamily="34" charset="0"/>
+              <a:buChar char="•"/>
+            </a:pPr>
+            <a:r>
+              <a:rPr lang="en-GB" sz="4800" b="1" dirty="0"/>
+              <a:t>Goal</a:t>
+            </a:r>
+            <a:r>
+              <a:rPr lang="en-GB" sz="4800" dirty="0"/>
+              <a:t> of this study is to investigate the effect of vestibular stimulation on body schema</a:t>
+            </a:r>
+          </a:p>
+          <a:p>
+            <a:pPr marL="571500" indent="-571500">
+              <a:buFont typeface="Arial" panose="020B0604020202020204" pitchFamily="34" charset="0"/>
+              <a:buChar char="•"/>
+            </a:pPr>
+            <a:r>
+              <a:rPr lang="en-GB" sz="4800" b="1" dirty="0"/>
+              <a:t>Previous research </a:t>
+            </a:r>
+            <a:r>
+              <a:rPr lang="en-GB" sz="4800" dirty="0"/>
+              <a:t>was made by Lopez et al. (2012) </a:t>
+            </a:r>
+          </a:p>
+          <a:p>
+            <a:pPr marL="571500" indent="-571500">
+              <a:buFont typeface="Arial" panose="020B0604020202020204" pitchFamily="34" charset="0"/>
+              <a:buChar char="•"/>
+            </a:pPr>
+            <a:r>
+              <a:rPr lang="en-GB" sz="4800" b="1" dirty="0"/>
+              <a:t>Same methods </a:t>
+            </a:r>
+            <a:r>
+              <a:rPr lang="en-GB" sz="4800" dirty="0"/>
+              <a:t>while adding a </a:t>
+            </a:r>
+            <a:r>
+              <a:rPr lang="en-GB" sz="4800" dirty="0">
+                <a:solidFill>
+                  <a:schemeClr val="tx1"/>
+                </a:solidFill>
+              </a:rPr>
+              <a:t>motion platform</a:t>
+            </a:r>
+          </a:p>
+          <a:p>
+            <a:pPr marL="571500" indent="-571500">
+              <a:buFont typeface="Arial" panose="020B0604020202020204" pitchFamily="34" charset="0"/>
+              <a:buChar char="•"/>
+            </a:pPr>
+            <a:r>
+              <a:rPr lang="en-GB" sz="4800" b="1" dirty="0">
+                <a:solidFill>
+                  <a:schemeClr val="tx1"/>
+                </a:solidFill>
+              </a:rPr>
+              <a:t>Prior findings </a:t>
+            </a:r>
+            <a:r>
+              <a:rPr lang="en-GB" sz="4800" dirty="0">
+                <a:solidFill>
+                  <a:schemeClr val="tx1"/>
+                </a:solidFill>
+              </a:rPr>
+              <a:t>suggested that vestibular stimulation has significant effects on the representation of the hands</a:t>
+            </a:r>
+            <a:endParaRPr lang="en-CH" sz="4800" dirty="0">
+              <a:solidFill>
+                <a:schemeClr val="tx1"/>
+              </a:solidFill>
+            </a:endParaRPr>
+          </a:p>
+        </p:txBody>
+      </p:sp>
+      <p:sp>
+        <p:nvSpPr>
+          <p:cNvPr id="6" name="Rectangle 13">
+            <a:extLst>
+              <a:ext uri="{FF2B5EF4-FFF2-40B4-BE49-F238E27FC236}">
+                <a16:creationId xmlns:a16="http://schemas.microsoft.com/office/drawing/2014/main" id="{C8498D30-91B9-D13C-03E7-47FC2DFF8A7C}"/>
+              </a:ext>
+            </a:extLst>
+          </p:cNvPr>
+          <p:cNvSpPr/>
+          <p:nvPr/>
+        </p:nvSpPr>
+        <p:spPr>
+          <a:xfrm>
+            <a:off x="11344350" y="9829799"/>
+            <a:ext cx="18048934" cy="9238130"/>
+          </a:xfrm>
+          <a:prstGeom prst="rect">
+            <a:avLst/>
+          </a:prstGeom>
+          <a:solidFill>
+            <a:schemeClr val="bg1"/>
+          </a:solidFill>
+          <a:ln>
+            <a:solidFill>
+              <a:schemeClr val="tx1"/>
+            </a:solidFill>
+          </a:ln>
+        </p:spPr>
+        <p:style>
+          <a:lnRef idx="2">
+            <a:schemeClr val="accent1">
+              <a:shade val="50000"/>
+            </a:schemeClr>
+          </a:lnRef>
+          <a:fillRef idx="1">
+            <a:schemeClr val="accent1"/>
+          </a:fillRef>
+          <a:effectRef idx="0">
+            <a:schemeClr val="accent1"/>
+          </a:effectRef>
+          <a:fontRef idx="minor">
+            <a:schemeClr val="lt1"/>
+          </a:fontRef>
+        </p:style>
+        <p:txBody>
+          <a:bodyPr rtlCol="0" anchor="ctr"/>
+          <a:lstStyle/>
+          <a:p>
+            <a:pPr algn="ctr"/>
+            <a:r>
+              <a:rPr lang="en-GB" dirty="0">
+                <a:solidFill>
+                  <a:schemeClr val="tx1"/>
+                </a:solidFill>
+              </a:rPr>
+              <a:t>Study Design</a:t>
             </a:r>
             <a:endParaRPr lang="en-CH" dirty="0">
               <a:solidFill>

--- a/Poster/VisualChirp_Forschungsatelier.pptx
+++ b/Poster/VisualChirp_Forschungsatelier.pptx
@@ -11,7 +11,7 @@
     <p:handoutMasterId r:id="rId4"/>
   </p:handoutMasterIdLst>
   <p:sldIdLst>
-    <p:sldId id="291" r:id="rId2"/>
+    <p:sldId id="293" r:id="rId2"/>
   </p:sldIdLst>
   <p:sldSz cx="30275213" cy="42803763"/>
   <p:notesSz cx="6858000" cy="9144000"/>
@@ -337,7 +337,7 @@
           <a:p>
             <a:fld id="{A70AE70C-D509-4E4B-9352-79C3D11520D1}" type="datetimeFigureOut">
               <a:rPr lang="de-DE" smtClean="0"/>
-              <a:t>24.05.2023</a:t>
+              <a:t>25.05.2023</a:t>
             </a:fld>
             <a:endParaRPr lang="de-DE"/>
           </a:p>
@@ -514,7 +514,7 @@
           <a:p>
             <a:fld id="{B77602DA-7CEE-4298-AF4B-1C87D65BAB06}" type="datetimeFigureOut">
               <a:rPr lang="de-CH" smtClean="0"/>
-              <a:t>24.05.2023</a:t>
+              <a:t>25.05.2023</a:t>
             </a:fld>
             <a:endParaRPr lang="de-CH" dirty="0"/>
           </a:p>
@@ -780,90 +780,6 @@
     </a:lvl9pPr>
   </p:notesStyle>
 </p:notesMaster>
-</file>
-
-<file path=ppt/notesSlides/notesSlide1.xml><?xml version="1.0" encoding="utf-8"?>
-<p:notes xmlns:a="http://schemas.openxmlformats.org/drawingml/2006/main" xmlns:r="http://schemas.openxmlformats.org/officeDocument/2006/relationships" xmlns:p="http://schemas.openxmlformats.org/presentationml/2006/main">
-  <p:cSld>
-    <p:spTree>
-      <p:nvGrpSpPr>
-        <p:cNvPr id="1" name=""/>
-        <p:cNvGrpSpPr/>
-        <p:nvPr/>
-      </p:nvGrpSpPr>
-      <p:grpSpPr>
-        <a:xfrm>
-          <a:off x="0" y="0"/>
-          <a:ext cx="0" cy="0"/>
-          <a:chOff x="0" y="0"/>
-          <a:chExt cx="0" cy="0"/>
-        </a:xfrm>
-      </p:grpSpPr>
-      <p:sp>
-        <p:nvSpPr>
-          <p:cNvPr id="2" name="Folienbildplatzhalter 1"/>
-          <p:cNvSpPr>
-            <a:spLocks noGrp="1" noRot="1" noChangeAspect="1"/>
-          </p:cNvSpPr>
-          <p:nvPr>
-            <p:ph type="sldImg"/>
-          </p:nvPr>
-        </p:nvSpPr>
-        <p:spPr/>
-      </p:sp>
-      <p:sp>
-        <p:nvSpPr>
-          <p:cNvPr id="3" name="Notizenplatzhalter 2"/>
-          <p:cNvSpPr>
-            <a:spLocks noGrp="1"/>
-          </p:cNvSpPr>
-          <p:nvPr>
-            <p:ph type="body" idx="1"/>
-          </p:nvPr>
-        </p:nvSpPr>
-        <p:spPr/>
-        <p:txBody>
-          <a:bodyPr/>
-          <a:lstStyle/>
-          <a:p>
-            <a:endParaRPr lang="de-DE" dirty="0"/>
-          </a:p>
-        </p:txBody>
-      </p:sp>
-      <p:sp>
-        <p:nvSpPr>
-          <p:cNvPr id="4" name="Foliennummernplatzhalter 3"/>
-          <p:cNvSpPr>
-            <a:spLocks noGrp="1"/>
-          </p:cNvSpPr>
-          <p:nvPr>
-            <p:ph type="sldNum" sz="quarter" idx="10"/>
-          </p:nvPr>
-        </p:nvSpPr>
-        <p:spPr/>
-        <p:txBody>
-          <a:bodyPr/>
-          <a:lstStyle/>
-          <a:p>
-            <a:fld id="{B2B24C57-7758-4EF8-8A0E-FE171C8C1817}" type="slidenum">
-              <a:rPr lang="de-CH" smtClean="0"/>
-              <a:t>1</a:t>
-            </a:fld>
-            <a:endParaRPr lang="de-CH" dirty="0"/>
-          </a:p>
-        </p:txBody>
-      </p:sp>
-    </p:spTree>
-    <p:extLst>
-      <p:ext uri="{BB962C8B-B14F-4D97-AF65-F5344CB8AC3E}">
-        <p14:creationId xmlns:p14="http://schemas.microsoft.com/office/powerpoint/2010/main" val="228592851"/>
-      </p:ext>
-    </p:extLst>
-  </p:cSld>
-  <p:clrMapOvr>
-    <a:masterClrMapping/>
-  </p:clrMapOvr>
-</p:notes>
 </file>
 
 <file path=ppt/slideLayouts/slideLayout1.xml><?xml version="1.0" encoding="utf-8"?>
@@ -1969,172 +1885,10 @@
       </p:grpSpPr>
       <p:sp>
         <p:nvSpPr>
-          <p:cNvPr id="2" name="Titel 1">
-            <a:extLst>
-              <a:ext uri="{FF2B5EF4-FFF2-40B4-BE49-F238E27FC236}">
-                <a16:creationId xmlns:a16="http://schemas.microsoft.com/office/drawing/2014/main" id="{60363ED4-383E-A141-8A83-1361CDA7A8CA}"/>
-              </a:ext>
-            </a:extLst>
-          </p:cNvPr>
-          <p:cNvSpPr>
-            <a:spLocks noGrp="1" noRot="1" noMove="1" noResize="1" noEditPoints="1" noAdjustHandles="1" noChangeArrowheads="1" noChangeShapeType="1"/>
-          </p:cNvSpPr>
-          <p:nvPr>
-            <p:ph type="title"/>
-            <p:custDataLst>
-              <p:tags r:id="rId1"/>
-            </p:custDataLst>
-          </p:nvPr>
-        </p:nvSpPr>
-        <p:spPr/>
-        <p:txBody>
-          <a:bodyPr/>
-          <a:lstStyle/>
-          <a:p>
-            <a:r>
-              <a:rPr lang="en-GB" sz="11000" dirty="0">
-                <a:solidFill>
-                  <a:schemeClr val="tx1"/>
-                </a:solidFill>
-              </a:rPr>
-              <a:t>Does vestibular stimulation actually modify the body schema?</a:t>
-            </a:r>
-            <a:r>
-              <a:rPr lang="de-DE" sz="11000" dirty="0">
-                <a:solidFill>
-                  <a:schemeClr val="tx1"/>
-                </a:solidFill>
-              </a:rPr>
-              <a:t> </a:t>
-            </a:r>
-          </a:p>
-        </p:txBody>
-      </p:sp>
-      <p:sp>
-        <p:nvSpPr>
-          <p:cNvPr id="3" name="Textplatzhalter 2">
-            <a:extLst>
-              <a:ext uri="{FF2B5EF4-FFF2-40B4-BE49-F238E27FC236}">
-                <a16:creationId xmlns:a16="http://schemas.microsoft.com/office/drawing/2014/main" id="{42707FB6-6DFA-BD44-B00E-E2ADC29ADFB2}"/>
-              </a:ext>
-            </a:extLst>
-          </p:cNvPr>
-          <p:cNvSpPr>
-            <a:spLocks noGrp="1" noRot="1" noMove="1" noResize="1" noEditPoints="1" noAdjustHandles="1" noChangeArrowheads="1" noChangeShapeType="1"/>
-          </p:cNvSpPr>
-          <p:nvPr>
-            <p:ph type="body" idx="10"/>
-            <p:custDataLst>
-              <p:tags r:id="rId2"/>
-            </p:custDataLst>
-          </p:nvPr>
-        </p:nvSpPr>
-        <p:spPr>
-          <a:xfrm>
-            <a:off x="1446577" y="6053164"/>
-            <a:ext cx="27383359" cy="2882459"/>
-          </a:xfrm>
-        </p:spPr>
-        <p:txBody>
-          <a:bodyPr/>
-          <a:lstStyle/>
-          <a:p>
-            <a:pPr lvl="0"/>
-            <a:r>
-              <a:rPr lang="de-DE" dirty="0"/>
-              <a:t>Text A (Arial Fett 20pt., </a:t>
-            </a:r>
-            <a:r>
-              <a:rPr lang="de-DE" dirty="0" err="1"/>
-              <a:t>weiss</a:t>
-            </a:r>
-            <a:r>
-              <a:rPr lang="de-DE" dirty="0"/>
-              <a:t>)</a:t>
-            </a:r>
-          </a:p>
-          <a:p>
-            <a:pPr lvl="0">
-              <a:tabLst/>
-              <a:defRPr/>
-            </a:pPr>
-            <a:r>
-              <a:rPr lang="de-DE" dirty="0"/>
-              <a:t>Text B (Arial Fett 20pt., </a:t>
-            </a:r>
-            <a:r>
-              <a:rPr lang="de-DE" dirty="0" err="1"/>
-              <a:t>weiss</a:t>
-            </a:r>
-            <a:r>
-              <a:rPr lang="de-DE" dirty="0"/>
-              <a:t>)</a:t>
-            </a:r>
-          </a:p>
-          <a:p>
-            <a:pPr lvl="0"/>
-            <a:r>
-              <a:rPr lang="de-DE" dirty="0"/>
-              <a:t>Text C (Arial Fett 20pt., </a:t>
-            </a:r>
-            <a:r>
-              <a:rPr lang="de-DE" dirty="0" err="1"/>
-              <a:t>weiss</a:t>
-            </a:r>
-            <a:r>
-              <a:rPr lang="de-DE" dirty="0"/>
-              <a:t>)	max. 3 Zeilen</a:t>
-            </a:r>
-          </a:p>
-        </p:txBody>
-      </p:sp>
-      <p:sp>
-        <p:nvSpPr>
-          <p:cNvPr id="4" name="Textplatzhalter 3">
-            <a:extLst>
-              <a:ext uri="{FF2B5EF4-FFF2-40B4-BE49-F238E27FC236}">
-                <a16:creationId xmlns:a16="http://schemas.microsoft.com/office/drawing/2014/main" id="{DABB979A-F673-F848-A0EE-625C9B28F075}"/>
-              </a:ext>
-            </a:extLst>
-          </p:cNvPr>
-          <p:cNvSpPr>
-            <a:spLocks noGrp="1" noRot="1" noMove="1" noResize="1" noEditPoints="1" noAdjustHandles="1" noChangeArrowheads="1" noChangeShapeType="1"/>
-          </p:cNvSpPr>
-          <p:nvPr>
-            <p:ph type="body" idx="12"/>
-            <p:custDataLst>
-              <p:tags r:id="rId3"/>
-            </p:custDataLst>
-          </p:nvPr>
-        </p:nvSpPr>
-        <p:spPr/>
-        <p:txBody>
-          <a:bodyPr/>
-          <a:lstStyle/>
-          <a:p>
-            <a:pPr>
-              <a:lnSpc>
-                <a:spcPts val="4404"/>
-              </a:lnSpc>
-            </a:pPr>
-            <a:r>
-              <a:rPr lang="de-CH" dirty="0"/>
-              <a:t>Institut für Psychologie </a:t>
-            </a:r>
-            <a:r>
-              <a:rPr lang="de-DE" dirty="0"/>
-              <a:t>Kognitive Psychologie, Wahrnehmung und Methodenlehre</a:t>
-            </a:r>
-            <a:endParaRPr lang="de-CH" dirty="0"/>
-          </a:p>
-        </p:txBody>
-      </p:sp>
-      <p:sp>
-        <p:nvSpPr>
-          <p:cNvPr id="10" name="Rectangle 9">
-            <a:extLst>
-              <a:ext uri="{FF2B5EF4-FFF2-40B4-BE49-F238E27FC236}">
-                <a16:creationId xmlns:a16="http://schemas.microsoft.com/office/drawing/2014/main" id="{D9784E14-D04F-33CD-2433-EB9BBFA433C9}"/>
+          <p:cNvPr id="4" name="Rechteck 3">
+            <a:extLst>
+              <a:ext uri="{FF2B5EF4-FFF2-40B4-BE49-F238E27FC236}">
+                <a16:creationId xmlns:a16="http://schemas.microsoft.com/office/drawing/2014/main" id="{8049931B-90C3-E77D-C546-0A99D244E54D}"/>
               </a:ext>
             </a:extLst>
           </p:cNvPr>
@@ -2143,8 +1897,8 @@
         </p:nvSpPr>
         <p:spPr>
           <a:xfrm>
-            <a:off x="881928" y="9829800"/>
-            <a:ext cx="28511357" cy="31532734"/>
+            <a:off x="23880086" y="386527"/>
+            <a:ext cx="5958411" cy="4194211"/>
           </a:xfrm>
           <a:prstGeom prst="rect">
             <a:avLst/>
@@ -2155,6 +1909,105 @@
           <a:ln>
             <a:solidFill>
               <a:schemeClr val="bg1"/>
+            </a:solidFill>
+          </a:ln>
+        </p:spPr>
+        <p:style>
+          <a:lnRef idx="2">
+            <a:schemeClr val="accent6"/>
+          </a:lnRef>
+          <a:fillRef idx="1">
+            <a:schemeClr val="lt1"/>
+          </a:fillRef>
+          <a:effectRef idx="0">
+            <a:schemeClr val="accent6"/>
+          </a:effectRef>
+          <a:fontRef idx="minor">
+            <a:schemeClr val="dk1"/>
+          </a:fontRef>
+        </p:style>
+        <p:txBody>
+          <a:bodyPr rtlCol="0" anchor="ctr"/>
+          <a:lstStyle/>
+          <a:p>
+            <a:pPr algn="ctr"/>
+            <a:endParaRPr lang="de-CH"/>
+          </a:p>
+        </p:txBody>
+      </p:sp>
+      <p:pic>
+        <p:nvPicPr>
+          <p:cNvPr id="1026" name="Picture 2">
+            <a:extLst>
+              <a:ext uri="{FF2B5EF4-FFF2-40B4-BE49-F238E27FC236}">
+                <a16:creationId xmlns:a16="http://schemas.microsoft.com/office/drawing/2014/main" id="{D428D8EA-B7EF-13C8-01C8-3C3431E5E7B0}"/>
+              </a:ext>
+            </a:extLst>
+          </p:cNvPr>
+          <p:cNvPicPr>
+            <a:picLocks noChangeAspect="1" noChangeArrowheads="1"/>
+          </p:cNvPicPr>
+          <p:nvPr/>
+        </p:nvPicPr>
+        <p:blipFill>
+          <a:blip r:embed="rId2" cstate="print">
+            <a:extLst>
+              <a:ext uri="{28A0092B-C50C-407E-A947-70E740481C1C}">
+                <a14:useLocalDpi xmlns:a14="http://schemas.microsoft.com/office/drawing/2010/main" val="0"/>
+              </a:ext>
+            </a:extLst>
+          </a:blip>
+          <a:srcRect/>
+          <a:stretch>
+            <a:fillRect/>
+          </a:stretch>
+        </p:blipFill>
+        <p:spPr bwMode="auto">
+          <a:xfrm>
+            <a:off x="25402072" y="397143"/>
+            <a:ext cx="3621076" cy="3621076"/>
+          </a:xfrm>
+          <a:prstGeom prst="rect">
+            <a:avLst/>
+          </a:prstGeom>
+          <a:noFill/>
+          <a:extLst>
+            <a:ext uri="{909E8E84-426E-40DD-AFC4-6F175D3DCCD1}">
+              <a14:hiddenFill xmlns:a14="http://schemas.microsoft.com/office/drawing/2010/main">
+                <a:solidFill>
+                  <a:srgbClr val="FFFFFF"/>
+                </a:solidFill>
+              </a14:hiddenFill>
+            </a:ext>
+          </a:extLst>
+        </p:spPr>
+      </p:pic>
+      <p:sp>
+        <p:nvSpPr>
+          <p:cNvPr id="12" name="Rectangle 10">
+            <a:extLst>
+              <a:ext uri="{FF2B5EF4-FFF2-40B4-BE49-F238E27FC236}">
+                <a16:creationId xmlns:a16="http://schemas.microsoft.com/office/drawing/2014/main" id="{9A2578E4-A9EA-A6CE-41D8-3EAFE0A0297C}"/>
+              </a:ext>
+            </a:extLst>
+          </p:cNvPr>
+          <p:cNvSpPr/>
+          <p:nvPr/>
+        </p:nvSpPr>
+        <p:spPr>
+          <a:xfrm>
+            <a:off x="1441738" y="18799573"/>
+            <a:ext cx="13077985" cy="20785097"/>
+          </a:xfrm>
+          <a:prstGeom prst="rect">
+            <a:avLst/>
+          </a:prstGeom>
+          <a:solidFill>
+            <a:schemeClr val="bg1"/>
+          </a:solidFill>
+          <a:ln>
+            <a:solidFill>
+              <a:schemeClr val="tx1"/>
             </a:solidFill>
           </a:ln>
         </p:spPr>
@@ -2179,16 +2032,198 @@
           <a:lstStyle/>
           <a:p>
             <a:pPr algn="ctr"/>
-            <a:endParaRPr lang="en-CH"/>
+            <a:endParaRPr lang="en-CH" sz="4000" dirty="0">
+              <a:solidFill>
+                <a:schemeClr val="tx1"/>
+              </a:solidFill>
+            </a:endParaRPr>
+          </a:p>
+        </p:txBody>
+      </p:sp>
+      <p:pic>
+        <p:nvPicPr>
+          <p:cNvPr id="55" name="Picture 16" descr="Tablet PNG, Tablet Transparent Background - FreeIconsPNG">
+            <a:extLst>
+              <a:ext uri="{FF2B5EF4-FFF2-40B4-BE49-F238E27FC236}">
+                <a16:creationId xmlns:a16="http://schemas.microsoft.com/office/drawing/2014/main" id="{847F15D1-B14E-1746-BC28-B00FA88434AC}"/>
+              </a:ext>
+            </a:extLst>
+          </p:cNvPr>
+          <p:cNvPicPr>
+            <a:picLocks noChangeAspect="1" noChangeArrowheads="1"/>
+          </p:cNvPicPr>
+          <p:nvPr/>
+        </p:nvPicPr>
+        <p:blipFill>
+          <a:blip r:embed="rId3">
+            <a:extLst>
+              <a:ext uri="{28A0092B-C50C-407E-A947-70E740481C1C}">
+                <a14:useLocalDpi xmlns:a14="http://schemas.microsoft.com/office/drawing/2010/main" val="0"/>
+              </a:ext>
+            </a:extLst>
+          </a:blip>
+          <a:srcRect/>
+          <a:stretch>
+            <a:fillRect/>
+          </a:stretch>
+        </p:blipFill>
+        <p:spPr bwMode="auto">
+          <a:xfrm>
+            <a:off x="5198034" y="23027916"/>
+            <a:ext cx="5935443" cy="4151550"/>
+          </a:xfrm>
+          <a:prstGeom prst="rect">
+            <a:avLst/>
+          </a:prstGeom>
+          <a:noFill/>
+          <a:extLst>
+            <a:ext uri="{909E8E84-426E-40DD-AFC4-6F175D3DCCD1}">
+              <a14:hiddenFill xmlns:a14="http://schemas.microsoft.com/office/drawing/2010/main">
+                <a:solidFill>
+                  <a:srgbClr val="FFFFFF"/>
+                </a:solidFill>
+              </a14:hiddenFill>
+            </a:ext>
+          </a:extLst>
+        </p:spPr>
+      </p:pic>
+      <p:pic>
+        <p:nvPicPr>
+          <p:cNvPr id="56" name="Picture 12" descr="Black, Icon, Left, Right, Outline, Hand, Drawing, Open - Hand Clipart Black  And White PNG Image | Transparent PNG Free Download on SeekPNG">
+            <a:extLst>
+              <a:ext uri="{FF2B5EF4-FFF2-40B4-BE49-F238E27FC236}">
+                <a16:creationId xmlns:a16="http://schemas.microsoft.com/office/drawing/2014/main" id="{D7E6C795-0B3C-2B6F-39EE-6511A41DDF72}"/>
+              </a:ext>
+            </a:extLst>
+          </p:cNvPr>
+          <p:cNvPicPr>
+            <a:picLocks noChangeAspect="1" noChangeArrowheads="1"/>
+          </p:cNvPicPr>
+          <p:nvPr/>
+        </p:nvPicPr>
+        <p:blipFill>
+          <a:blip r:embed="rId4">
+            <a:extLst>
+              <a:ext uri="{BEBA8EAE-BF5A-486C-A8C5-ECC9F3942E4B}">
+                <a14:imgProps xmlns:a14="http://schemas.microsoft.com/office/drawing/2010/main">
+                  <a14:imgLayer r:embed="rId5">
+                    <a14:imgEffect>
+                      <a14:backgroundRemoval t="6806" b="90000" l="10000" r="90000">
+                        <a14:foregroundMark x1="55610" y1="6806" x2="55610" y2="6806"/>
+                        <a14:foregroundMark x1="55610" y1="6806" x2="55610" y2="6806"/>
+                        <a14:foregroundMark x1="52439" y1="65694" x2="52439" y2="65694"/>
+                        <a14:foregroundMark x1="62073" y1="51667" x2="62073" y2="51667"/>
+                        <a14:foregroundMark x1="52561" y1="80556" x2="52561" y2="80556"/>
+                        <a14:foregroundMark x1="47195" y1="82083" x2="47195" y2="82083"/>
+                        <a14:foregroundMark x1="69390" y1="44028" x2="69390" y2="44028"/>
+                        <a14:foregroundMark x1="72439" y1="37917" x2="72439" y2="37917"/>
+                        <a14:foregroundMark x1="75122" y1="32222" x2="75122" y2="32222"/>
+                        <a14:foregroundMark x1="65610" y1="21389" x2="65610" y2="21389"/>
+                        <a14:foregroundMark x1="65000" y1="21111" x2="65000" y2="21111"/>
+                        <a14:foregroundMark x1="64146" y1="28611" x2="64146" y2="28611"/>
+                        <a14:foregroundMark x1="61951" y1="38889" x2="61951" y2="38889"/>
+                        <a14:foregroundMark x1="53780" y1="37083" x2="53780" y2="37083"/>
+                        <a14:foregroundMark x1="53171" y1="27083" x2="53171" y2="27083"/>
+                        <a14:foregroundMark x1="53537" y1="17361" x2="53537" y2="17361"/>
+                        <a14:foregroundMark x1="40000" y1="23056" x2="40000" y2="23056"/>
+                        <a14:foregroundMark x1="43049" y1="30694" x2="43049" y2="30694"/>
+                        <a14:foregroundMark x1="46707" y1="39583" x2="46707" y2="39583"/>
+                        <a14:foregroundMark x1="50610" y1="40417" x2="50610" y2="40417"/>
+                        <a14:foregroundMark x1="52561" y1="83611" x2="52073" y2="86806"/>
+                        <a14:foregroundMark x1="58171" y1="82778" x2="57927" y2="88056"/>
+                      </a14:backgroundRemoval>
+                    </a14:imgEffect>
+                  </a14:imgLayer>
+                </a14:imgProps>
+              </a:ext>
+              <a:ext uri="{28A0092B-C50C-407E-A947-70E740481C1C}">
+                <a14:useLocalDpi xmlns:a14="http://schemas.microsoft.com/office/drawing/2010/main" val="0"/>
+              </a:ext>
+            </a:extLst>
+          </a:blip>
+          <a:srcRect/>
+          <a:stretch>
+            <a:fillRect/>
+          </a:stretch>
+        </p:blipFill>
+        <p:spPr bwMode="auto">
+          <a:xfrm rot="5211513">
+            <a:off x="4747288" y="22501336"/>
+            <a:ext cx="6073541" cy="5332866"/>
+          </a:xfrm>
+          <a:prstGeom prst="rect">
+            <a:avLst/>
+          </a:prstGeom>
+          <a:noFill/>
+          <a:extLst>
+            <a:ext uri="{909E8E84-426E-40DD-AFC4-6F175D3DCCD1}">
+              <a14:hiddenFill xmlns:a14="http://schemas.microsoft.com/office/drawing/2010/main">
+                <a:solidFill>
+                  <a:srgbClr val="FFFFFF"/>
+                </a:solidFill>
+              </a14:hiddenFill>
+            </a:ext>
+          </a:extLst>
+        </p:spPr>
+      </p:pic>
+      <p:sp>
+        <p:nvSpPr>
+          <p:cNvPr id="6" name="Rechteck 5">
+            <a:extLst>
+              <a:ext uri="{FF2B5EF4-FFF2-40B4-BE49-F238E27FC236}">
+                <a16:creationId xmlns:a16="http://schemas.microsoft.com/office/drawing/2014/main" id="{4A67937D-DCC1-013E-ED86-56B42B5DCDAD}"/>
+              </a:ext>
+            </a:extLst>
+          </p:cNvPr>
+          <p:cNvSpPr/>
+          <p:nvPr/>
+        </p:nvSpPr>
+        <p:spPr>
+          <a:xfrm>
+            <a:off x="-205740" y="5875020"/>
+            <a:ext cx="31455360" cy="3092076"/>
+          </a:xfrm>
+          <a:prstGeom prst="rect">
+            <a:avLst/>
+          </a:prstGeom>
+          <a:solidFill>
+            <a:schemeClr val="bg1"/>
+          </a:solidFill>
+          <a:ln>
+            <a:solidFill>
+              <a:schemeClr val="bg1"/>
+            </a:solidFill>
+          </a:ln>
+        </p:spPr>
+        <p:style>
+          <a:lnRef idx="2">
+            <a:schemeClr val="accent6"/>
+          </a:lnRef>
+          <a:fillRef idx="1">
+            <a:schemeClr val="lt1"/>
+          </a:fillRef>
+          <a:effectRef idx="0">
+            <a:schemeClr val="accent6"/>
+          </a:effectRef>
+          <a:fontRef idx="minor">
+            <a:schemeClr val="dk1"/>
+          </a:fontRef>
+        </p:style>
+        <p:txBody>
+          <a:bodyPr rtlCol="0" anchor="ctr"/>
+          <a:lstStyle/>
+          <a:p>
+            <a:pPr algn="ctr"/>
+            <a:endParaRPr lang="de-CH"/>
           </a:p>
         </p:txBody>
       </p:sp>
       <p:sp>
         <p:nvSpPr>
-          <p:cNvPr id="11" name="Rectangle 10">
-            <a:extLst>
-              <a:ext uri="{FF2B5EF4-FFF2-40B4-BE49-F238E27FC236}">
-                <a16:creationId xmlns:a16="http://schemas.microsoft.com/office/drawing/2014/main" id="{31788DEB-F660-96C3-76B0-727AF5E82520}"/>
+          <p:cNvPr id="9" name="Rectangle 10">
+            <a:extLst>
+              <a:ext uri="{FF2B5EF4-FFF2-40B4-BE49-F238E27FC236}">
+                <a16:creationId xmlns:a16="http://schemas.microsoft.com/office/drawing/2014/main" id="{1F019C25-B5DB-BD15-8B2A-9F142374784D}"/>
               </a:ext>
             </a:extLst>
           </p:cNvPr>
@@ -2197,8 +2232,8 @@
         </p:nvSpPr>
         <p:spPr>
           <a:xfrm>
-            <a:off x="881929" y="9829799"/>
-            <a:ext cx="9902612" cy="11572081"/>
+            <a:off x="1394973" y="8971348"/>
+            <a:ext cx="13124751" cy="8718677"/>
           </a:xfrm>
           <a:prstGeom prst="rect">
             <a:avLst/>
@@ -2243,10 +2278,262 @@
       </p:sp>
       <p:sp>
         <p:nvSpPr>
-          <p:cNvPr id="12" name="Rectangle 11">
-            <a:extLst>
-              <a:ext uri="{FF2B5EF4-FFF2-40B4-BE49-F238E27FC236}">
-                <a16:creationId xmlns:a16="http://schemas.microsoft.com/office/drawing/2014/main" id="{B60F2126-5A03-B286-AB55-1258C00C7B31}"/>
+          <p:cNvPr id="2" name="Titel 1">
+            <a:extLst>
+              <a:ext uri="{FF2B5EF4-FFF2-40B4-BE49-F238E27FC236}">
+                <a16:creationId xmlns:a16="http://schemas.microsoft.com/office/drawing/2014/main" id="{9F4FB948-305C-4880-1C6D-5064B67B9490}"/>
+              </a:ext>
+            </a:extLst>
+          </p:cNvPr>
+          <p:cNvSpPr>
+            <a:spLocks noGrp="1"/>
+          </p:cNvSpPr>
+          <p:nvPr>
+            <p:ph type="title"/>
+          </p:nvPr>
+        </p:nvSpPr>
+        <p:spPr>
+          <a:xfrm>
+            <a:off x="1394973" y="1533816"/>
+            <a:ext cx="21986517" cy="1441229"/>
+          </a:xfrm>
+        </p:spPr>
+        <p:txBody>
+          <a:bodyPr/>
+          <a:lstStyle/>
+          <a:p>
+            <a:r>
+              <a:rPr lang="en-GB" dirty="0"/>
+              <a:t>How well do you know your body?</a:t>
+            </a:r>
+            <a:endParaRPr lang="de-CH" dirty="0"/>
+          </a:p>
+        </p:txBody>
+      </p:sp>
+      <p:sp>
+        <p:nvSpPr>
+          <p:cNvPr id="5" name="Textplatzhalter 4">
+            <a:extLst>
+              <a:ext uri="{FF2B5EF4-FFF2-40B4-BE49-F238E27FC236}">
+                <a16:creationId xmlns:a16="http://schemas.microsoft.com/office/drawing/2014/main" id="{1F69A261-514E-F24B-6190-6DB341A60ED2}"/>
+              </a:ext>
+            </a:extLst>
+          </p:cNvPr>
+          <p:cNvSpPr>
+            <a:spLocks noGrp="1"/>
+          </p:cNvSpPr>
+          <p:nvPr>
+            <p:ph type="body" idx="11"/>
+          </p:nvPr>
+        </p:nvSpPr>
+        <p:spPr>
+          <a:xfrm>
+            <a:off x="1441738" y="3712452"/>
+            <a:ext cx="26663871" cy="1374311"/>
+          </a:xfrm>
+        </p:spPr>
+        <p:txBody>
+          <a:bodyPr/>
+          <a:lstStyle/>
+          <a:p>
+            <a:pPr>
+              <a:lnSpc>
+                <a:spcPct val="100000"/>
+              </a:lnSpc>
+            </a:pPr>
+            <a:r>
+              <a:rPr lang="en-GB" sz="8800" dirty="0">
+                <a:solidFill>
+                  <a:schemeClr val="tx1"/>
+                </a:solidFill>
+                <a:ea typeface="+mn-ea"/>
+              </a:rPr>
+              <a:t>Modifying the body schema by vestibular stimulation</a:t>
+            </a:r>
+            <a:endParaRPr lang="de-CH" sz="8800" dirty="0"/>
+          </a:p>
+        </p:txBody>
+      </p:sp>
+      <p:sp>
+        <p:nvSpPr>
+          <p:cNvPr id="3" name="Textplatzhalter 2">
+            <a:extLst>
+              <a:ext uri="{FF2B5EF4-FFF2-40B4-BE49-F238E27FC236}">
+                <a16:creationId xmlns:a16="http://schemas.microsoft.com/office/drawing/2014/main" id="{C5AC312B-5F09-9B4C-8DCC-647E0102F642}"/>
+              </a:ext>
+            </a:extLst>
+          </p:cNvPr>
+          <p:cNvSpPr>
+            <a:spLocks noGrp="1"/>
+          </p:cNvSpPr>
+          <p:nvPr>
+            <p:ph type="body" idx="10"/>
+          </p:nvPr>
+        </p:nvSpPr>
+        <p:spPr>
+          <a:xfrm>
+            <a:off x="1394974" y="5468206"/>
+            <a:ext cx="27393037" cy="2882459"/>
+          </a:xfrm>
+        </p:spPr>
+        <p:txBody>
+          <a:bodyPr/>
+          <a:lstStyle/>
+          <a:p>
+            <a:r>
+              <a:rPr lang="de-CH" dirty="0">
+                <a:solidFill>
+                  <a:schemeClr val="tx1"/>
+                </a:solidFill>
+              </a:rPr>
+              <a:t>BA Cedric Berther, PD Dr. Matthias Ertl, Prof. Dr. Fred Mast</a:t>
+            </a:r>
+          </a:p>
+          <a:p>
+            <a:r>
+              <a:rPr lang="de-CH" b="0" dirty="0">
+                <a:solidFill>
+                  <a:schemeClr val="tx1"/>
+                </a:solidFill>
+              </a:rPr>
+              <a:t>University </a:t>
+            </a:r>
+            <a:r>
+              <a:rPr lang="de-CH" b="0" dirty="0" err="1">
+                <a:solidFill>
+                  <a:schemeClr val="tx1"/>
+                </a:solidFill>
+              </a:rPr>
+              <a:t>of</a:t>
+            </a:r>
+            <a:r>
+              <a:rPr lang="de-CH" b="0" dirty="0">
+                <a:solidFill>
+                  <a:schemeClr val="tx1"/>
+                </a:solidFill>
+              </a:rPr>
+              <a:t> Bern, Institute </a:t>
+            </a:r>
+            <a:r>
+              <a:rPr lang="de-CH" b="0" dirty="0" err="1">
+                <a:solidFill>
+                  <a:schemeClr val="tx1"/>
+                </a:solidFill>
+              </a:rPr>
+              <a:t>of</a:t>
+            </a:r>
+            <a:r>
+              <a:rPr lang="de-CH" b="0" dirty="0">
+                <a:solidFill>
+                  <a:schemeClr val="tx1"/>
+                </a:solidFill>
+              </a:rPr>
+              <a:t> </a:t>
+            </a:r>
+            <a:r>
+              <a:rPr lang="de-CH" b="0" dirty="0" err="1">
+                <a:solidFill>
+                  <a:schemeClr val="tx1"/>
+                </a:solidFill>
+              </a:rPr>
+              <a:t>Psychology</a:t>
+            </a:r>
+            <a:r>
+              <a:rPr lang="de-CH" b="0" dirty="0">
+                <a:solidFill>
+                  <a:schemeClr val="tx1"/>
+                </a:solidFill>
+              </a:rPr>
+              <a:t>, Department </a:t>
+            </a:r>
+            <a:r>
+              <a:rPr lang="de-CH" b="0" dirty="0" err="1">
+                <a:solidFill>
+                  <a:schemeClr val="tx1"/>
+                </a:solidFill>
+              </a:rPr>
+              <a:t>of</a:t>
+            </a:r>
+            <a:r>
+              <a:rPr lang="de-CH" b="0" dirty="0">
+                <a:solidFill>
+                  <a:schemeClr val="tx1"/>
+                </a:solidFill>
+              </a:rPr>
+              <a:t> </a:t>
+            </a:r>
+            <a:r>
+              <a:rPr lang="en-US" b="0" dirty="0">
+                <a:solidFill>
+                  <a:schemeClr val="tx1"/>
+                </a:solidFill>
+              </a:rPr>
+              <a:t>Cognitive Psychology, Perception and Research Methods</a:t>
+            </a:r>
+          </a:p>
+        </p:txBody>
+      </p:sp>
+      <p:sp>
+        <p:nvSpPr>
+          <p:cNvPr id="8" name="Textfeld 7">
+            <a:extLst>
+              <a:ext uri="{FF2B5EF4-FFF2-40B4-BE49-F238E27FC236}">
+                <a16:creationId xmlns:a16="http://schemas.microsoft.com/office/drawing/2014/main" id="{59AC9504-A6EB-3AD8-1C07-B3816EB6FAB7}"/>
+              </a:ext>
+            </a:extLst>
+          </p:cNvPr>
+          <p:cNvSpPr txBox="1"/>
+          <p:nvPr/>
+        </p:nvSpPr>
+        <p:spPr>
+          <a:xfrm>
+            <a:off x="1978039" y="9847569"/>
+            <a:ext cx="12081196" cy="7478970"/>
+          </a:xfrm>
+          <a:prstGeom prst="rect">
+            <a:avLst/>
+          </a:prstGeom>
+          <a:noFill/>
+        </p:spPr>
+        <p:txBody>
+          <a:bodyPr wrap="square" rtlCol="0">
+            <a:spAutoFit/>
+          </a:bodyPr>
+          <a:lstStyle/>
+          <a:p>
+            <a:r>
+              <a:rPr lang="en-US" sz="6000" dirty="0"/>
+              <a:t>Prior findings suggest significant effects of vestibular stimulation on hand representation. The Body Schema is assumed to change with vestibular stimulation</a:t>
+            </a:r>
+            <a:r>
+              <a:rPr lang="en-US" sz="6000" baseline="30000" dirty="0"/>
+              <a:t>[1,2]</a:t>
+            </a:r>
+            <a:r>
+              <a:rPr lang="en-US" sz="6000" dirty="0"/>
+              <a:t>. </a:t>
+            </a:r>
+            <a:r>
+              <a:rPr lang="en-GB" sz="6000" dirty="0"/>
+              <a:t>This study uses the same methods as Lopez et al. (2012) while also adding a </a:t>
+            </a:r>
+            <a:r>
+              <a:rPr lang="en-GB" sz="6000" dirty="0">
+                <a:solidFill>
+                  <a:schemeClr val="tx1"/>
+                </a:solidFill>
+              </a:rPr>
+              <a:t>motion platform.</a:t>
+            </a:r>
+          </a:p>
+        </p:txBody>
+      </p:sp>
+      <p:sp>
+        <p:nvSpPr>
+          <p:cNvPr id="11" name="Rechteck: abgerundete Ecken 10">
+            <a:extLst>
+              <a:ext uri="{FF2B5EF4-FFF2-40B4-BE49-F238E27FC236}">
+                <a16:creationId xmlns:a16="http://schemas.microsoft.com/office/drawing/2014/main" id="{448BB1AB-BB09-61B6-223F-B27CBC128C86}"/>
               </a:ext>
             </a:extLst>
           </p:cNvPr>
@@ -2255,8 +2542,231 @@
         </p:nvSpPr>
         <p:spPr>
           <a:xfrm>
-            <a:off x="881927" y="21891812"/>
-            <a:ext cx="9902612" cy="16525591"/>
+            <a:off x="1773629" y="8424971"/>
+            <a:ext cx="6203466" cy="1092755"/>
+          </a:xfrm>
+          <a:prstGeom prst="roundRect">
+            <a:avLst/>
+          </a:prstGeom>
+        </p:spPr>
+        <p:style>
+          <a:lnRef idx="2">
+            <a:schemeClr val="dk1"/>
+          </a:lnRef>
+          <a:fillRef idx="1">
+            <a:schemeClr val="lt1"/>
+          </a:fillRef>
+          <a:effectRef idx="0">
+            <a:schemeClr val="dk1"/>
+          </a:effectRef>
+          <a:fontRef idx="minor">
+            <a:schemeClr val="dk1"/>
+          </a:fontRef>
+        </p:style>
+        <p:txBody>
+          <a:bodyPr rtlCol="0" anchor="ctr"/>
+          <a:lstStyle/>
+          <a:p>
+            <a:pPr algn="ctr"/>
+            <a:r>
+              <a:rPr lang="en-CA" sz="6600" dirty="0">
+                <a:solidFill>
+                  <a:schemeClr val="tx1"/>
+                </a:solidFill>
+              </a:rPr>
+              <a:t>1. Introduction</a:t>
+            </a:r>
+            <a:endParaRPr lang="en-CA" sz="6600" dirty="0"/>
+          </a:p>
+        </p:txBody>
+      </p:sp>
+      <p:sp>
+        <p:nvSpPr>
+          <p:cNvPr id="14" name="Rechteck: abgerundete Ecken 13">
+            <a:extLst>
+              <a:ext uri="{FF2B5EF4-FFF2-40B4-BE49-F238E27FC236}">
+                <a16:creationId xmlns:a16="http://schemas.microsoft.com/office/drawing/2014/main" id="{4215D245-0B2E-E19A-C1DE-7BDCF7565FB4}"/>
+              </a:ext>
+            </a:extLst>
+          </p:cNvPr>
+          <p:cNvSpPr/>
+          <p:nvPr/>
+        </p:nvSpPr>
+        <p:spPr>
+          <a:xfrm>
+            <a:off x="1773629" y="18211505"/>
+            <a:ext cx="6203466" cy="1092755"/>
+          </a:xfrm>
+          <a:prstGeom prst="roundRect">
+            <a:avLst/>
+          </a:prstGeom>
+        </p:spPr>
+        <p:style>
+          <a:lnRef idx="2">
+            <a:schemeClr val="dk1"/>
+          </a:lnRef>
+          <a:fillRef idx="1">
+            <a:schemeClr val="lt1"/>
+          </a:fillRef>
+          <a:effectRef idx="0">
+            <a:schemeClr val="dk1"/>
+          </a:effectRef>
+          <a:fontRef idx="minor">
+            <a:schemeClr val="dk1"/>
+          </a:fontRef>
+        </p:style>
+        <p:txBody>
+          <a:bodyPr rtlCol="0" anchor="ctr"/>
+          <a:lstStyle/>
+          <a:p>
+            <a:pPr algn="ctr"/>
+            <a:r>
+              <a:rPr lang="en-CA" sz="6600" dirty="0">
+                <a:solidFill>
+                  <a:schemeClr val="tx1"/>
+                </a:solidFill>
+              </a:rPr>
+              <a:t>2. Methods</a:t>
+            </a:r>
+            <a:endParaRPr lang="en-CA" sz="6600" dirty="0"/>
+          </a:p>
+        </p:txBody>
+      </p:sp>
+      <p:sp>
+        <p:nvSpPr>
+          <p:cNvPr id="15" name="Textfeld 14">
+            <a:extLst>
+              <a:ext uri="{FF2B5EF4-FFF2-40B4-BE49-F238E27FC236}">
+                <a16:creationId xmlns:a16="http://schemas.microsoft.com/office/drawing/2014/main" id="{C6100685-2249-CE8B-98A9-1F6A6F518BFC}"/>
+              </a:ext>
+            </a:extLst>
+          </p:cNvPr>
+          <p:cNvSpPr txBox="1"/>
+          <p:nvPr/>
+        </p:nvSpPr>
+        <p:spPr>
+          <a:xfrm>
+            <a:off x="1964299" y="19624206"/>
+            <a:ext cx="12383776" cy="2862322"/>
+          </a:xfrm>
+          <a:prstGeom prst="rect">
+            <a:avLst/>
+          </a:prstGeom>
+          <a:noFill/>
+        </p:spPr>
+        <p:txBody>
+          <a:bodyPr wrap="square" rtlCol="0">
+            <a:spAutoFit/>
+          </a:bodyPr>
+          <a:lstStyle/>
+          <a:p>
+            <a:pPr marL="571500" indent="-571500">
+              <a:buFont typeface="Arial" panose="020B0604020202020204" pitchFamily="34" charset="0"/>
+              <a:buChar char="•"/>
+            </a:pPr>
+            <a:r>
+              <a:rPr lang="en-GB" sz="6000" b="1" dirty="0"/>
+              <a:t>N = 40</a:t>
+            </a:r>
+            <a:r>
+              <a:rPr lang="en-GB" sz="6000" dirty="0"/>
+              <a:t>, 10 participants for each order</a:t>
+            </a:r>
+          </a:p>
+          <a:p>
+            <a:pPr marL="571500" indent="-571500">
+              <a:buFont typeface="Arial" panose="020B0604020202020204" pitchFamily="34" charset="0"/>
+              <a:buChar char="•"/>
+            </a:pPr>
+            <a:r>
+              <a:rPr lang="en-GB" sz="6000" b="1" dirty="0"/>
+              <a:t>40 items </a:t>
+            </a:r>
+            <a:r>
+              <a:rPr lang="en-GB" sz="6000" dirty="0"/>
+              <a:t>for each task</a:t>
+            </a:r>
+          </a:p>
+          <a:p>
+            <a:pPr marL="571500" indent="-571500">
+              <a:buFont typeface="Arial" panose="020B0604020202020204" pitchFamily="34" charset="0"/>
+              <a:buChar char="•"/>
+            </a:pPr>
+            <a:r>
+              <a:rPr lang="en-GB" sz="6000" b="1" dirty="0"/>
+              <a:t>Questionnaire</a:t>
+            </a:r>
+            <a:r>
+              <a:rPr lang="en-GB" sz="6000" dirty="0"/>
+              <a:t> with 6 items</a:t>
+            </a:r>
+            <a:endParaRPr lang="en-GB" sz="4800" dirty="0"/>
+          </a:p>
+        </p:txBody>
+      </p:sp>
+      <p:pic>
+        <p:nvPicPr>
+          <p:cNvPr id="16" name="Picture 2" descr="Picture of the six-degrees-of-freedom motion platform (6DOF2000E, MOOG Inc., East Aurora, NY). A blindfolded participant is securely seated on the chair with the head fixed. ">
+            <a:extLst>
+              <a:ext uri="{FF2B5EF4-FFF2-40B4-BE49-F238E27FC236}">
+                <a16:creationId xmlns:a16="http://schemas.microsoft.com/office/drawing/2014/main" id="{4764648D-70C1-A473-4646-40DA36916A35}"/>
+              </a:ext>
+            </a:extLst>
+          </p:cNvPr>
+          <p:cNvPicPr>
+            <a:picLocks noChangeAspect="1" noChangeArrowheads="1"/>
+          </p:cNvPicPr>
+          <p:nvPr/>
+        </p:nvPicPr>
+        <p:blipFill>
+          <a:blip r:embed="rId6">
+            <a:extLst>
+              <a:ext uri="{28A0092B-C50C-407E-A947-70E740481C1C}">
+                <a14:useLocalDpi xmlns:a14="http://schemas.microsoft.com/office/drawing/2010/main" val="0"/>
+              </a:ext>
+            </a:extLst>
+          </a:blip>
+          <a:srcRect/>
+          <a:stretch>
+            <a:fillRect/>
+          </a:stretch>
+        </p:blipFill>
+        <p:spPr bwMode="auto">
+          <a:xfrm>
+            <a:off x="5905071" y="27798304"/>
+            <a:ext cx="3288042" cy="4653415"/>
+          </a:xfrm>
+          <a:prstGeom prst="rect">
+            <a:avLst/>
+          </a:prstGeom>
+          <a:noFill/>
+          <a:extLst>
+            <a:ext uri="{909E8E84-426E-40DD-AFC4-6F175D3DCCD1}">
+              <a14:hiddenFill xmlns:a14="http://schemas.microsoft.com/office/drawing/2010/main">
+                <a:solidFill>
+                  <a:srgbClr val="FFFFFF"/>
+                </a:solidFill>
+              </a14:hiddenFill>
+            </a:ext>
+          </a:extLst>
+        </p:spPr>
+      </p:pic>
+      <p:sp>
+        <p:nvSpPr>
+          <p:cNvPr id="17" name="Rectangle 13">
+            <a:extLst>
+              <a:ext uri="{FF2B5EF4-FFF2-40B4-BE49-F238E27FC236}">
+                <a16:creationId xmlns:a16="http://schemas.microsoft.com/office/drawing/2014/main" id="{AFCFFB22-0F78-16F0-E751-4C5F46636835}"/>
+              </a:ext>
+            </a:extLst>
+          </p:cNvPr>
+          <p:cNvSpPr/>
+          <p:nvPr/>
+        </p:nvSpPr>
+        <p:spPr>
+          <a:xfrm>
+            <a:off x="15755489" y="8972302"/>
+            <a:ext cx="13124752" cy="20551292"/>
           </a:xfrm>
           <a:prstGeom prst="rect">
             <a:avLst/>
@@ -2291,14 +2801,6 @@
           <a:lstStyle/>
           <a:p>
             <a:pPr algn="ctr"/>
-            <a:r>
-              <a:rPr lang="en-GB" dirty="0">
-                <a:solidFill>
-                  <a:schemeClr val="tx1"/>
-                </a:solidFill>
-              </a:rPr>
-              <a:t>Methods</a:t>
-            </a:r>
             <a:endParaRPr lang="en-CH" dirty="0">
               <a:solidFill>
                 <a:schemeClr val="tx1"/>
@@ -2309,10 +2811,10 @@
       </p:sp>
       <p:sp>
         <p:nvSpPr>
-          <p:cNvPr id="13" name="Rectangle 12">
-            <a:extLst>
-              <a:ext uri="{FF2B5EF4-FFF2-40B4-BE49-F238E27FC236}">
-                <a16:creationId xmlns:a16="http://schemas.microsoft.com/office/drawing/2014/main" id="{654BF2C1-B4A9-8E45-27EF-D26643FA3016}"/>
+          <p:cNvPr id="18" name="Rectangle 14">
+            <a:extLst>
+              <a:ext uri="{FF2B5EF4-FFF2-40B4-BE49-F238E27FC236}">
+                <a16:creationId xmlns:a16="http://schemas.microsoft.com/office/drawing/2014/main" id="{E2FCBF6A-FBC4-CA5D-5750-DC69E3268F1F}"/>
               </a:ext>
             </a:extLst>
           </p:cNvPr>
@@ -2321,8 +2823,8 @@
         </p:nvSpPr>
         <p:spPr>
           <a:xfrm>
-            <a:off x="881928" y="39262050"/>
-            <a:ext cx="27948007" cy="2138583"/>
+            <a:off x="15755489" y="30703540"/>
+            <a:ext cx="13124752" cy="8892751"/>
           </a:xfrm>
           <a:prstGeom prst="rect">
             <a:avLst/>
@@ -2357,14 +2859,6 @@
           <a:lstStyle/>
           <a:p>
             <a:pPr algn="ctr"/>
-            <a:r>
-              <a:rPr lang="en-GB" dirty="0">
-                <a:solidFill>
-                  <a:schemeClr val="tx1"/>
-                </a:solidFill>
-              </a:rPr>
-              <a:t>References</a:t>
-            </a:r>
             <a:endParaRPr lang="en-CH" dirty="0">
               <a:solidFill>
                 <a:schemeClr val="tx1"/>
@@ -2375,10 +2869,58 @@
       </p:sp>
       <p:sp>
         <p:nvSpPr>
-          <p:cNvPr id="14" name="Rectangle 13">
-            <a:extLst>
-              <a:ext uri="{FF2B5EF4-FFF2-40B4-BE49-F238E27FC236}">
-                <a16:creationId xmlns:a16="http://schemas.microsoft.com/office/drawing/2014/main" id="{EC96CCC6-578E-61A3-BE26-83939F88078C}"/>
+          <p:cNvPr id="22" name="Textfeld 21">
+            <a:extLst>
+              <a:ext uri="{FF2B5EF4-FFF2-40B4-BE49-F238E27FC236}">
+                <a16:creationId xmlns:a16="http://schemas.microsoft.com/office/drawing/2014/main" id="{F4DE78A4-0628-BF70-C69B-6EA13C6513C9}"/>
+              </a:ext>
+            </a:extLst>
+          </p:cNvPr>
+          <p:cNvSpPr txBox="1"/>
+          <p:nvPr/>
+        </p:nvSpPr>
+        <p:spPr>
+          <a:xfrm>
+            <a:off x="16371629" y="31603139"/>
+            <a:ext cx="12267084" cy="7478970"/>
+          </a:xfrm>
+          <a:prstGeom prst="rect">
+            <a:avLst/>
+          </a:prstGeom>
+          <a:noFill/>
+        </p:spPr>
+        <p:txBody>
+          <a:bodyPr wrap="square" rtlCol="0">
+            <a:spAutoFit/>
+          </a:bodyPr>
+          <a:lstStyle/>
+          <a:p>
+            <a:r>
+              <a:rPr lang="en-US" sz="6000" dirty="0"/>
+              <a:t>Our findings indicate that vestibular stimulation does not influence hand representation</a:t>
+            </a:r>
+            <a:r>
+              <a:rPr lang="en-GB" sz="6000" dirty="0"/>
+              <a:t>. </a:t>
+            </a:r>
+            <a:r>
+              <a:rPr lang="en-US" sz="6000" dirty="0"/>
+              <a:t>There is no significant difference in overall length or width, regardless of the conditions compared. Contrary to previous findings, our results do not support changes in </a:t>
+            </a:r>
+            <a:r>
+              <a:rPr lang="en-US" sz="6000"/>
+              <a:t>body perception.</a:t>
+            </a:r>
+            <a:endParaRPr lang="en-CH" sz="6000" dirty="0"/>
+          </a:p>
+        </p:txBody>
+      </p:sp>
+      <p:sp>
+        <p:nvSpPr>
+          <p:cNvPr id="28" name="Rechteck: abgerundete Ecken 27">
+            <a:extLst>
+              <a:ext uri="{FF2B5EF4-FFF2-40B4-BE49-F238E27FC236}">
+                <a16:creationId xmlns:a16="http://schemas.microsoft.com/office/drawing/2014/main" id="{04F0A5E2-8749-9781-77A2-D186880B9E23}"/>
               </a:ext>
             </a:extLst>
           </p:cNvPr>
@@ -2387,8 +2929,112 @@
         </p:nvSpPr>
         <p:spPr>
           <a:xfrm>
-            <a:off x="11344349" y="19605812"/>
-            <a:ext cx="18048934" cy="7424846"/>
+            <a:off x="16511624" y="8417004"/>
+            <a:ext cx="6203466" cy="1092755"/>
+          </a:xfrm>
+          <a:prstGeom prst="roundRect">
+            <a:avLst/>
+          </a:prstGeom>
+        </p:spPr>
+        <p:style>
+          <a:lnRef idx="2">
+            <a:schemeClr val="dk1"/>
+          </a:lnRef>
+          <a:fillRef idx="1">
+            <a:schemeClr val="lt1"/>
+          </a:fillRef>
+          <a:effectRef idx="0">
+            <a:schemeClr val="dk1"/>
+          </a:effectRef>
+          <a:fontRef idx="minor">
+            <a:schemeClr val="dk1"/>
+          </a:fontRef>
+        </p:style>
+        <p:txBody>
+          <a:bodyPr rtlCol="0" anchor="ctr"/>
+          <a:lstStyle/>
+          <a:p>
+            <a:pPr algn="ctr"/>
+            <a:r>
+              <a:rPr lang="en-CA" sz="6600" dirty="0">
+                <a:solidFill>
+                  <a:schemeClr val="tx1"/>
+                </a:solidFill>
+              </a:rPr>
+              <a:t>3. Results</a:t>
+            </a:r>
+            <a:endParaRPr lang="en-CA" sz="6600" dirty="0"/>
+          </a:p>
+        </p:txBody>
+      </p:sp>
+      <p:sp>
+        <p:nvSpPr>
+          <p:cNvPr id="29" name="Rechteck: abgerundete Ecken 28">
+            <a:extLst>
+              <a:ext uri="{FF2B5EF4-FFF2-40B4-BE49-F238E27FC236}">
+                <a16:creationId xmlns:a16="http://schemas.microsoft.com/office/drawing/2014/main" id="{48ADBA7D-55FC-8F27-2D89-77DE3955E201}"/>
+              </a:ext>
+            </a:extLst>
+          </p:cNvPr>
+          <p:cNvSpPr/>
+          <p:nvPr/>
+        </p:nvSpPr>
+        <p:spPr>
+          <a:xfrm>
+            <a:off x="16552877" y="30066257"/>
+            <a:ext cx="6203466" cy="1092755"/>
+          </a:xfrm>
+          <a:prstGeom prst="roundRect">
+            <a:avLst/>
+          </a:prstGeom>
+        </p:spPr>
+        <p:style>
+          <a:lnRef idx="2">
+            <a:schemeClr val="dk1"/>
+          </a:lnRef>
+          <a:fillRef idx="1">
+            <a:schemeClr val="lt1"/>
+          </a:fillRef>
+          <a:effectRef idx="0">
+            <a:schemeClr val="dk1"/>
+          </a:effectRef>
+          <a:fontRef idx="minor">
+            <a:schemeClr val="dk1"/>
+          </a:fontRef>
+        </p:style>
+        <p:txBody>
+          <a:bodyPr rtlCol="0" anchor="ctr"/>
+          <a:lstStyle/>
+          <a:p>
+            <a:pPr algn="ctr"/>
+            <a:r>
+              <a:rPr lang="en-CA" sz="6600" dirty="0">
+                <a:solidFill>
+                  <a:schemeClr val="tx1"/>
+                </a:solidFill>
+              </a:rPr>
+              <a:t>4. Discussion</a:t>
+            </a:r>
+            <a:endParaRPr lang="en-CA" sz="6600" dirty="0"/>
+          </a:p>
+        </p:txBody>
+      </p:sp>
+      <p:sp>
+        <p:nvSpPr>
+          <p:cNvPr id="30" name="Rectangle 12">
+            <a:extLst>
+              <a:ext uri="{FF2B5EF4-FFF2-40B4-BE49-F238E27FC236}">
+                <a16:creationId xmlns:a16="http://schemas.microsoft.com/office/drawing/2014/main" id="{39026B29-7753-DD8D-1DDA-DA0C659116F3}"/>
+              </a:ext>
+            </a:extLst>
+          </p:cNvPr>
+          <p:cNvSpPr/>
+          <p:nvPr/>
+        </p:nvSpPr>
+        <p:spPr>
+          <a:xfrm>
+            <a:off x="1441740" y="40705839"/>
+            <a:ext cx="27438501" cy="1527241"/>
           </a:xfrm>
           <a:prstGeom prst="rect">
             <a:avLst/>
@@ -2423,14 +3069,6 @@
           <a:lstStyle/>
           <a:p>
             <a:pPr algn="ctr"/>
-            <a:r>
-              <a:rPr lang="en-GB" dirty="0">
-                <a:solidFill>
-                  <a:schemeClr val="tx1"/>
-                </a:solidFill>
-              </a:rPr>
-              <a:t>Results</a:t>
-            </a:r>
             <a:endParaRPr lang="en-CH" dirty="0">
               <a:solidFill>
                 <a:schemeClr val="tx1"/>
@@ -2441,10 +3079,10 @@
       </p:sp>
       <p:sp>
         <p:nvSpPr>
-          <p:cNvPr id="15" name="Rectangle 14">
-            <a:extLst>
-              <a:ext uri="{FF2B5EF4-FFF2-40B4-BE49-F238E27FC236}">
-                <a16:creationId xmlns:a16="http://schemas.microsoft.com/office/drawing/2014/main" id="{5A45FE6B-F9AB-599D-6D02-2779525B7A9A}"/>
+          <p:cNvPr id="31" name="Rechteck: abgerundete Ecken 30">
+            <a:extLst>
+              <a:ext uri="{FF2B5EF4-FFF2-40B4-BE49-F238E27FC236}">
+                <a16:creationId xmlns:a16="http://schemas.microsoft.com/office/drawing/2014/main" id="{135EE94C-74EF-871F-8D7A-45B32D73FC20}"/>
               </a:ext>
             </a:extLst>
           </p:cNvPr>
@@ -2453,18 +3091,274 @@
         </p:nvSpPr>
         <p:spPr>
           <a:xfrm>
-            <a:off x="11344349" y="27568541"/>
-            <a:ext cx="18048935" cy="10848862"/>
+            <a:off x="1773629" y="40086676"/>
+            <a:ext cx="6203466" cy="1092755"/>
+          </a:xfrm>
+          <a:prstGeom prst="roundRect">
+            <a:avLst/>
+          </a:prstGeom>
+        </p:spPr>
+        <p:style>
+          <a:lnRef idx="2">
+            <a:schemeClr val="dk1"/>
+          </a:lnRef>
+          <a:fillRef idx="1">
+            <a:schemeClr val="lt1"/>
+          </a:fillRef>
+          <a:effectRef idx="0">
+            <a:schemeClr val="dk1"/>
+          </a:effectRef>
+          <a:fontRef idx="minor">
+            <a:schemeClr val="dk1"/>
+          </a:fontRef>
+        </p:style>
+        <p:txBody>
+          <a:bodyPr rtlCol="0" anchor="ctr"/>
+          <a:lstStyle/>
+          <a:p>
+            <a:pPr algn="ctr"/>
+            <a:r>
+              <a:rPr lang="en-CA" sz="6600" dirty="0">
+                <a:solidFill>
+                  <a:schemeClr val="tx1"/>
+                </a:solidFill>
+              </a:rPr>
+              <a:t>References</a:t>
+            </a:r>
+            <a:endParaRPr lang="en-CA" sz="6600" dirty="0"/>
+          </a:p>
+        </p:txBody>
+      </p:sp>
+      <p:sp>
+        <p:nvSpPr>
+          <p:cNvPr id="32" name="Textfeld 31">
+            <a:extLst>
+              <a:ext uri="{FF2B5EF4-FFF2-40B4-BE49-F238E27FC236}">
+                <a16:creationId xmlns:a16="http://schemas.microsoft.com/office/drawing/2014/main" id="{3FC4235E-695E-5495-60AD-845C135D473E}"/>
+              </a:ext>
+            </a:extLst>
+          </p:cNvPr>
+          <p:cNvSpPr txBox="1"/>
+          <p:nvPr/>
+        </p:nvSpPr>
+        <p:spPr>
+          <a:xfrm>
+            <a:off x="1820394" y="41350262"/>
+            <a:ext cx="26692261" cy="707886"/>
           </a:xfrm>
           <a:prstGeom prst="rect">
             <a:avLst/>
           </a:prstGeom>
+          <a:noFill/>
+        </p:spPr>
+        <p:txBody>
+          <a:bodyPr wrap="square" rtlCol="0">
+            <a:spAutoFit/>
+          </a:bodyPr>
+          <a:lstStyle/>
+          <a:p>
+            <a:r>
+              <a:rPr lang="de-CH" sz="2000" dirty="0">
+                <a:effectLst/>
+                <a:latin typeface="Times New Roman" panose="02020603050405020304" pitchFamily="18" charset="0"/>
+              </a:rPr>
+              <a:t>[1] Lopez, C., Schreyer, H. M., Preuss, N. &amp; Mast, F. W. (2012). Vestibular </a:t>
+            </a:r>
+            <a:r>
+              <a:rPr lang="de-CH" sz="2000" dirty="0" err="1">
+                <a:effectLst/>
+                <a:latin typeface="Times New Roman" panose="02020603050405020304" pitchFamily="18" charset="0"/>
+              </a:rPr>
+              <a:t>stimulation</a:t>
+            </a:r>
+            <a:r>
+              <a:rPr lang="de-CH" sz="2000" dirty="0">
+                <a:effectLst/>
+                <a:latin typeface="Times New Roman" panose="02020603050405020304" pitchFamily="18" charset="0"/>
+              </a:rPr>
+              <a:t> </a:t>
+            </a:r>
+            <a:r>
+              <a:rPr lang="de-CH" sz="2000" dirty="0" err="1">
+                <a:effectLst/>
+                <a:latin typeface="Times New Roman" panose="02020603050405020304" pitchFamily="18" charset="0"/>
+              </a:rPr>
+              <a:t>modifies</a:t>
+            </a:r>
+            <a:r>
+              <a:rPr lang="de-CH" sz="2000" dirty="0">
+                <a:effectLst/>
+                <a:latin typeface="Times New Roman" panose="02020603050405020304" pitchFamily="18" charset="0"/>
+              </a:rPr>
+              <a:t> </a:t>
+            </a:r>
+            <a:r>
+              <a:rPr lang="de-CH" sz="2000" dirty="0" err="1">
+                <a:effectLst/>
+                <a:latin typeface="Times New Roman" panose="02020603050405020304" pitchFamily="18" charset="0"/>
+              </a:rPr>
+              <a:t>the</a:t>
+            </a:r>
+            <a:r>
+              <a:rPr lang="de-CH" sz="2000" dirty="0">
+                <a:effectLst/>
+                <a:latin typeface="Times New Roman" panose="02020603050405020304" pitchFamily="18" charset="0"/>
+              </a:rPr>
+              <a:t> </a:t>
+            </a:r>
+            <a:r>
+              <a:rPr lang="de-CH" sz="2000" dirty="0" err="1">
+                <a:effectLst/>
+                <a:latin typeface="Times New Roman" panose="02020603050405020304" pitchFamily="18" charset="0"/>
+              </a:rPr>
+              <a:t>body</a:t>
+            </a:r>
+            <a:r>
+              <a:rPr lang="de-CH" sz="2000" dirty="0">
+                <a:effectLst/>
+                <a:latin typeface="Times New Roman" panose="02020603050405020304" pitchFamily="18" charset="0"/>
+              </a:rPr>
+              <a:t> </a:t>
+            </a:r>
+            <a:r>
+              <a:rPr lang="de-CH" sz="2000" dirty="0" err="1">
+                <a:effectLst/>
+                <a:latin typeface="Times New Roman" panose="02020603050405020304" pitchFamily="18" charset="0"/>
+              </a:rPr>
+              <a:t>schema</a:t>
+            </a:r>
+            <a:r>
+              <a:rPr lang="de-CH" sz="2000" dirty="0">
+                <a:effectLst/>
+                <a:latin typeface="Times New Roman" panose="02020603050405020304" pitchFamily="18" charset="0"/>
+              </a:rPr>
+              <a:t>. </a:t>
+            </a:r>
+            <a:r>
+              <a:rPr lang="de-CH" sz="2000" i="1" dirty="0" err="1">
+                <a:effectLst/>
+                <a:latin typeface="Times New Roman" panose="02020603050405020304" pitchFamily="18" charset="0"/>
+              </a:rPr>
+              <a:t>Neuropsychologia</a:t>
+            </a:r>
+            <a:r>
+              <a:rPr lang="de-CH" sz="2000" dirty="0">
+                <a:effectLst/>
+                <a:latin typeface="Times New Roman" panose="02020603050405020304" pitchFamily="18" charset="0"/>
+              </a:rPr>
+              <a:t>, </a:t>
+            </a:r>
+            <a:r>
+              <a:rPr lang="de-CH" sz="2000" i="1" dirty="0">
+                <a:effectLst/>
+                <a:latin typeface="Times New Roman" panose="02020603050405020304" pitchFamily="18" charset="0"/>
+              </a:rPr>
+              <a:t>50</a:t>
+            </a:r>
+            <a:r>
+              <a:rPr lang="de-CH" sz="2000" dirty="0">
+                <a:effectLst/>
+                <a:latin typeface="Times New Roman" panose="02020603050405020304" pitchFamily="18" charset="0"/>
+              </a:rPr>
+              <a:t>(8), 1830–1837. https://doi.org/10.1016/j.neuropsychologia.2012.04.008</a:t>
+            </a:r>
+            <a:endParaRPr lang="en-US" sz="2000" dirty="0">
+              <a:effectLst/>
+              <a:latin typeface="Times New Roman" panose="02020603050405020304" pitchFamily="18" charset="0"/>
+            </a:endParaRPr>
+          </a:p>
+          <a:p>
+            <a:r>
+              <a:rPr lang="en-US" sz="2000" dirty="0">
+                <a:effectLst/>
+                <a:latin typeface="Times New Roman" panose="02020603050405020304" pitchFamily="18" charset="0"/>
+              </a:rPr>
+              <a:t>[2] Lopez, C., Nakul, E., Preuss, N., </a:t>
+            </a:r>
+            <a:r>
+              <a:rPr lang="en-US" sz="2000" dirty="0" err="1">
+                <a:effectLst/>
+                <a:latin typeface="Times New Roman" panose="02020603050405020304" pitchFamily="18" charset="0"/>
+              </a:rPr>
+              <a:t>Elzière</a:t>
+            </a:r>
+            <a:r>
+              <a:rPr lang="en-US" sz="2000" dirty="0">
+                <a:effectLst/>
+                <a:latin typeface="Times New Roman" panose="02020603050405020304" pitchFamily="18" charset="0"/>
+              </a:rPr>
+              <a:t>, M. &amp; Mast, F. W. (2018). Distorted own-body representations in patients with dizziness and during caloric vestibular stimulation. </a:t>
+            </a:r>
+            <a:r>
+              <a:rPr lang="en-US" sz="2000" i="1" dirty="0">
+                <a:effectLst/>
+                <a:latin typeface="Times New Roman" panose="02020603050405020304" pitchFamily="18" charset="0"/>
+              </a:rPr>
+              <a:t>Journal of Neurology</a:t>
+            </a:r>
+            <a:r>
+              <a:rPr lang="en-US" sz="2000" dirty="0">
+                <a:effectLst/>
+                <a:latin typeface="Times New Roman" panose="02020603050405020304" pitchFamily="18" charset="0"/>
+              </a:rPr>
+              <a:t>, </a:t>
+            </a:r>
+            <a:r>
+              <a:rPr lang="en-US" sz="2000" i="1" dirty="0">
+                <a:effectLst/>
+                <a:latin typeface="Times New Roman" panose="02020603050405020304" pitchFamily="18" charset="0"/>
+              </a:rPr>
+              <a:t>265</a:t>
+            </a:r>
+            <a:r>
+              <a:rPr lang="en-US" sz="2000" dirty="0">
+                <a:effectLst/>
+                <a:latin typeface="Times New Roman" panose="02020603050405020304" pitchFamily="18" charset="0"/>
+              </a:rPr>
+              <a:t>(S1), 86–94. </a:t>
+            </a:r>
+            <a:r>
+              <a:rPr lang="en-US" sz="2000" dirty="0">
+                <a:latin typeface="Times New Roman" panose="02020603050405020304" pitchFamily="18" charset="0"/>
+              </a:rPr>
+              <a:t>https://doi.org/10.1007/s00415-018-8906-8</a:t>
+            </a:r>
+            <a:endParaRPr lang="en-US" sz="2000" dirty="0">
+              <a:effectLst/>
+              <a:latin typeface="Times New Roman" panose="02020603050405020304" pitchFamily="18" charset="0"/>
+            </a:endParaRPr>
+          </a:p>
+        </p:txBody>
+      </p:sp>
+      <p:sp>
+        <p:nvSpPr>
+          <p:cNvPr id="10" name="Pfeil: nach oben und unten 9">
+            <a:extLst>
+              <a:ext uri="{FF2B5EF4-FFF2-40B4-BE49-F238E27FC236}">
+                <a16:creationId xmlns:a16="http://schemas.microsoft.com/office/drawing/2014/main" id="{A529C179-3251-6E50-8A1B-EBFFEF06C3A5}"/>
+              </a:ext>
+            </a:extLst>
+          </p:cNvPr>
+          <p:cNvSpPr/>
+          <p:nvPr/>
+        </p:nvSpPr>
+        <p:spPr>
+          <a:xfrm>
+            <a:off x="9193114" y="28566982"/>
+            <a:ext cx="1026301" cy="2844963"/>
+          </a:xfrm>
+          <a:prstGeom prst="upDownArrow">
+            <a:avLst>
+              <a:gd name="adj1" fmla="val 39200"/>
+              <a:gd name="adj2" fmla="val 60800"/>
+            </a:avLst>
+          </a:prstGeom>
           <a:solidFill>
-            <a:schemeClr val="bg1"/>
+            <a:srgbClr val="E6002E"/>
           </a:solidFill>
           <a:ln>
             <a:solidFill>
-              <a:schemeClr val="tx1"/>
+              <a:srgbClr val="C00000"/>
             </a:solidFill>
           </a:ln>
         </p:spPr>
@@ -2489,150 +3383,67 @@
           <a:lstStyle/>
           <a:p>
             <a:pPr algn="ctr"/>
-            <a:r>
-              <a:rPr lang="en-GB" dirty="0">
-                <a:solidFill>
-                  <a:schemeClr val="tx1"/>
-                </a:solidFill>
-              </a:rPr>
-              <a:t>Discussion</a:t>
-            </a:r>
-            <a:endParaRPr lang="en-CH" dirty="0">
-              <a:solidFill>
-                <a:schemeClr val="tx1"/>
-              </a:solidFill>
+            <a:endParaRPr lang="de-CH" dirty="0">
+              <a:highlight>
+                <a:srgbClr val="E6002E"/>
+              </a:highlight>
             </a:endParaRPr>
           </a:p>
         </p:txBody>
       </p:sp>
+      <p:pic>
+        <p:nvPicPr>
+          <p:cNvPr id="36" name="Picture 2" descr="Picture of the six-degrees-of-freedom motion platform (6DOF2000E, MOOG Inc., East Aurora, NY). A blindfolded participant is securely seated on the chair with the head fixed. ">
+            <a:extLst>
+              <a:ext uri="{FF2B5EF4-FFF2-40B4-BE49-F238E27FC236}">
+                <a16:creationId xmlns:a16="http://schemas.microsoft.com/office/drawing/2014/main" id="{53EB4208-774D-51CD-F9F8-86952A9160C7}"/>
+              </a:ext>
+            </a:extLst>
+          </p:cNvPr>
+          <p:cNvPicPr>
+            <a:picLocks noChangeAspect="1" noChangeArrowheads="1"/>
+          </p:cNvPicPr>
+          <p:nvPr/>
+        </p:nvPicPr>
+        <p:blipFill>
+          <a:blip r:embed="rId6">
+            <a:extLst>
+              <a:ext uri="{28A0092B-C50C-407E-A947-70E740481C1C}">
+                <a14:useLocalDpi xmlns:a14="http://schemas.microsoft.com/office/drawing/2010/main" val="0"/>
+              </a:ext>
+            </a:extLst>
+          </a:blip>
+          <a:srcRect/>
+          <a:stretch>
+            <a:fillRect/>
+          </a:stretch>
+        </p:blipFill>
+        <p:spPr bwMode="auto">
+          <a:xfrm>
+            <a:off x="5905071" y="34728448"/>
+            <a:ext cx="3288042" cy="4653415"/>
+          </a:xfrm>
+          <a:prstGeom prst="rect">
+            <a:avLst/>
+          </a:prstGeom>
+          <a:noFill/>
+          <a:extLst>
+            <a:ext uri="{909E8E84-426E-40DD-AFC4-6F175D3DCCD1}">
+              <a14:hiddenFill xmlns:a14="http://schemas.microsoft.com/office/drawing/2010/main">
+                <a:solidFill>
+                  <a:srgbClr val="FFFFFF"/>
+                </a:solidFill>
+              </a14:hiddenFill>
+            </a:ext>
+          </a:extLst>
+        </p:spPr>
+      </p:pic>
       <p:sp>
         <p:nvSpPr>
-          <p:cNvPr id="5" name="Textfeld 4">
-            <a:extLst>
-              <a:ext uri="{FF2B5EF4-FFF2-40B4-BE49-F238E27FC236}">
-                <a16:creationId xmlns:a16="http://schemas.microsoft.com/office/drawing/2014/main" id="{C67F7906-F0F7-0454-349E-1B41490A3C0A}"/>
-              </a:ext>
-            </a:extLst>
-          </p:cNvPr>
-          <p:cNvSpPr txBox="1"/>
-          <p:nvPr/>
-        </p:nvSpPr>
-        <p:spPr>
-          <a:xfrm>
-            <a:off x="1441740" y="10000357"/>
-            <a:ext cx="8751131" cy="10618291"/>
-          </a:xfrm>
-          <a:prstGeom prst="rect">
-            <a:avLst/>
-          </a:prstGeom>
-          <a:noFill/>
-        </p:spPr>
-        <p:txBody>
-          <a:bodyPr wrap="square" rtlCol="0">
-            <a:spAutoFit/>
-          </a:bodyPr>
-          <a:lstStyle/>
-          <a:p>
-            <a:pPr marL="1143000" indent="-1143000">
-              <a:lnSpc>
-                <a:spcPct val="150000"/>
-              </a:lnSpc>
-              <a:buAutoNum type="arabicPeriod"/>
-            </a:pPr>
-            <a:r>
-              <a:rPr lang="en-GB" sz="7200" dirty="0">
-                <a:solidFill>
-                  <a:schemeClr val="tx1"/>
-                </a:solidFill>
-              </a:rPr>
-              <a:t>Introduction</a:t>
-            </a:r>
-          </a:p>
-          <a:p>
-            <a:pPr marL="571500" indent="-571500">
-              <a:buFont typeface="Arial" panose="020B0604020202020204" pitchFamily="34" charset="0"/>
-              <a:buChar char="•"/>
-            </a:pPr>
-            <a:r>
-              <a:rPr lang="en-GB" sz="4800" b="1" dirty="0"/>
-              <a:t>Goal</a:t>
-            </a:r>
-            <a:r>
-              <a:rPr lang="en-GB" sz="4800" dirty="0"/>
-              <a:t> of this study is to investigate the effect of vestibular stimulation on body schema</a:t>
-            </a:r>
-          </a:p>
-          <a:p>
-            <a:pPr marL="571500" indent="-571500">
-              <a:buFont typeface="Arial" panose="020B0604020202020204" pitchFamily="34" charset="0"/>
-              <a:buChar char="•"/>
-            </a:pPr>
-            <a:r>
-              <a:rPr lang="en-GB" sz="4800" b="1" dirty="0"/>
-              <a:t>Previous research </a:t>
-            </a:r>
-            <a:r>
-              <a:rPr lang="en-GB" sz="4800" dirty="0"/>
-              <a:t>was made by Lopez et al. (2012) </a:t>
-            </a:r>
-          </a:p>
-          <a:p>
-            <a:pPr marL="571500" indent="-571500">
-              <a:buFont typeface="Arial" panose="020B0604020202020204" pitchFamily="34" charset="0"/>
-              <a:buChar char="•"/>
-            </a:pPr>
-            <a:r>
-              <a:rPr lang="en-GB" sz="4800" b="1" dirty="0"/>
-              <a:t>Same methods </a:t>
-            </a:r>
-            <a:r>
-              <a:rPr lang="en-GB" sz="4800" dirty="0"/>
-              <a:t>while adding a </a:t>
-            </a:r>
-            <a:r>
-              <a:rPr lang="en-GB" sz="4800" dirty="0">
-                <a:solidFill>
-                  <a:schemeClr val="tx1"/>
-                </a:solidFill>
-              </a:rPr>
-              <a:t>motion platform</a:t>
-            </a:r>
-          </a:p>
-          <a:p>
-            <a:pPr marL="571500" indent="-571500">
-              <a:buFont typeface="Arial" panose="020B0604020202020204" pitchFamily="34" charset="0"/>
-              <a:buChar char="•"/>
-            </a:pPr>
-            <a:r>
-              <a:rPr lang="en-GB" sz="4800" b="1" dirty="0">
-                <a:solidFill>
-                  <a:schemeClr val="tx1"/>
-                </a:solidFill>
-              </a:rPr>
-              <a:t>Prior findings </a:t>
-            </a:r>
-            <a:r>
-              <a:rPr lang="en-GB" sz="4800" dirty="0">
-                <a:solidFill>
-                  <a:schemeClr val="tx1"/>
-                </a:solidFill>
-              </a:rPr>
-              <a:t>suggested that vestibular stimulation has significant effects on the representation of the hands</a:t>
-            </a:r>
-            <a:endParaRPr lang="en-CH" sz="4800" dirty="0">
-              <a:solidFill>
-                <a:schemeClr val="tx1"/>
-              </a:solidFill>
-            </a:endParaRPr>
-          </a:p>
-        </p:txBody>
-      </p:sp>
-      <p:sp>
-        <p:nvSpPr>
-          <p:cNvPr id="6" name="Rectangle 13">
-            <a:extLst>
-              <a:ext uri="{FF2B5EF4-FFF2-40B4-BE49-F238E27FC236}">
-                <a16:creationId xmlns:a16="http://schemas.microsoft.com/office/drawing/2014/main" id="{C8498D30-91B9-D13C-03E7-47FC2DFF8A7C}"/>
+          <p:cNvPr id="37" name="Pfeil: nach oben und unten 36">
+            <a:extLst>
+              <a:ext uri="{FF2B5EF4-FFF2-40B4-BE49-F238E27FC236}">
+                <a16:creationId xmlns:a16="http://schemas.microsoft.com/office/drawing/2014/main" id="{535015D7-555E-C9A5-6A22-8A490DD02AB0}"/>
               </a:ext>
             </a:extLst>
           </p:cNvPr>
@@ -2641,18 +3452,21 @@
         </p:nvSpPr>
         <p:spPr>
           <a:xfrm>
-            <a:off x="11344350" y="9829799"/>
-            <a:ext cx="18048934" cy="9238130"/>
-          </a:xfrm>
-          <a:prstGeom prst="rect">
-            <a:avLst/>
+            <a:off x="9193114" y="35413999"/>
+            <a:ext cx="1026301" cy="2844963"/>
+          </a:xfrm>
+          <a:prstGeom prst="upDownArrow">
+            <a:avLst>
+              <a:gd name="adj1" fmla="val 39200"/>
+              <a:gd name="adj2" fmla="val 60800"/>
+            </a:avLst>
           </a:prstGeom>
           <a:solidFill>
-            <a:schemeClr val="bg1"/>
+            <a:srgbClr val="E6002E"/>
           </a:solidFill>
           <a:ln>
             <a:solidFill>
-              <a:schemeClr val="tx1"/>
+              <a:srgbClr val="C00000"/>
             </a:solidFill>
           </a:ln>
         </p:spPr>
@@ -2677,26 +3491,829 @@
           <a:lstStyle/>
           <a:p>
             <a:pPr algn="ctr"/>
-            <a:r>
-              <a:rPr lang="en-GB" dirty="0">
+            <a:endParaRPr lang="de-CH" dirty="0">
+              <a:highlight>
+                <a:srgbClr val="E6002E"/>
+              </a:highlight>
+            </a:endParaRPr>
+          </a:p>
+        </p:txBody>
+      </p:sp>
+      <p:sp>
+        <p:nvSpPr>
+          <p:cNvPr id="33" name="Multiplikationszeichen 32">
+            <a:extLst>
+              <a:ext uri="{FF2B5EF4-FFF2-40B4-BE49-F238E27FC236}">
+                <a16:creationId xmlns:a16="http://schemas.microsoft.com/office/drawing/2014/main" id="{36BFA9A5-E5F8-8D60-CA14-99CBE2DD8910}"/>
+              </a:ext>
+            </a:extLst>
+          </p:cNvPr>
+          <p:cNvSpPr/>
+          <p:nvPr/>
+        </p:nvSpPr>
+        <p:spPr>
+          <a:xfrm>
+            <a:off x="1757291" y="28456900"/>
+            <a:ext cx="12400114" cy="10083542"/>
+          </a:xfrm>
+          <a:prstGeom prst="mathMultiply">
+            <a:avLst>
+              <a:gd name="adj1" fmla="val 0"/>
+            </a:avLst>
+          </a:prstGeom>
+          <a:solidFill>
+            <a:srgbClr val="E6002E"/>
+          </a:solidFill>
+          <a:ln>
+            <a:solidFill>
+              <a:srgbClr val="C00000"/>
+            </a:solidFill>
+          </a:ln>
+        </p:spPr>
+        <p:style>
+          <a:lnRef idx="2">
+            <a:schemeClr val="accent1">
+              <a:shade val="50000"/>
+            </a:schemeClr>
+          </a:lnRef>
+          <a:fillRef idx="1">
+            <a:schemeClr val="accent1"/>
+          </a:fillRef>
+          <a:effectRef idx="0">
+            <a:schemeClr val="accent1"/>
+          </a:effectRef>
+          <a:fontRef idx="minor">
+            <a:schemeClr val="lt1"/>
+          </a:fontRef>
+        </p:style>
+        <p:txBody>
+          <a:bodyPr rtlCol="0" anchor="ctr"/>
+          <a:lstStyle/>
+          <a:p>
+            <a:pPr algn="ctr"/>
+            <a:endParaRPr lang="de-CH"/>
+          </a:p>
+        </p:txBody>
+      </p:sp>
+      <p:pic>
+        <p:nvPicPr>
+          <p:cNvPr id="2050" name="Picture 2" descr="Ear - Free medical icons">
+            <a:extLst>
+              <a:ext uri="{FF2B5EF4-FFF2-40B4-BE49-F238E27FC236}">
+                <a16:creationId xmlns:a16="http://schemas.microsoft.com/office/drawing/2014/main" id="{34444DEA-686C-5B71-B95F-DED8247F82F5}"/>
+              </a:ext>
+            </a:extLst>
+          </p:cNvPr>
+          <p:cNvPicPr>
+            <a:picLocks noChangeAspect="1" noChangeArrowheads="1"/>
+          </p:cNvPicPr>
+          <p:nvPr/>
+        </p:nvPicPr>
+        <p:blipFill>
+          <a:blip r:embed="rId7" cstate="print">
+            <a:extLst>
+              <a:ext uri="{28A0092B-C50C-407E-A947-70E740481C1C}">
+                <a14:useLocalDpi xmlns:a14="http://schemas.microsoft.com/office/drawing/2010/main" val="0"/>
+              </a:ext>
+            </a:extLst>
+          </a:blip>
+          <a:srcRect/>
+          <a:stretch>
+            <a:fillRect/>
+          </a:stretch>
+        </p:blipFill>
+        <p:spPr bwMode="auto">
+          <a:xfrm>
+            <a:off x="10610915" y="32586630"/>
+            <a:ext cx="1824082" cy="1824082"/>
+          </a:xfrm>
+          <a:prstGeom prst="rect">
+            <a:avLst/>
+          </a:prstGeom>
+          <a:noFill/>
+          <a:extLst>
+            <a:ext uri="{909E8E84-426E-40DD-AFC4-6F175D3DCCD1}">
+              <a14:hiddenFill xmlns:a14="http://schemas.microsoft.com/office/drawing/2010/main">
                 <a:solidFill>
-                  <a:schemeClr val="tx1"/>
+                  <a:srgbClr val="FFFFFF"/>
                 </a:solidFill>
-              </a:rPr>
-              <a:t>Study Design</a:t>
-            </a:r>
-            <a:endParaRPr lang="en-CH" dirty="0">
+              </a14:hiddenFill>
+            </a:ext>
+          </a:extLst>
+        </p:spPr>
+      </p:pic>
+      <p:sp>
+        <p:nvSpPr>
+          <p:cNvPr id="39" name="Textfeld 38">
+            <a:extLst>
+              <a:ext uri="{FF2B5EF4-FFF2-40B4-BE49-F238E27FC236}">
+                <a16:creationId xmlns:a16="http://schemas.microsoft.com/office/drawing/2014/main" id="{76E24517-3444-994A-C33D-43D7871057A5}"/>
+              </a:ext>
+            </a:extLst>
+          </p:cNvPr>
+          <p:cNvSpPr txBox="1"/>
+          <p:nvPr/>
+        </p:nvSpPr>
+        <p:spPr>
+          <a:xfrm>
+            <a:off x="12268218" y="32916473"/>
+            <a:ext cx="1791017" cy="1107996"/>
+          </a:xfrm>
+          <a:prstGeom prst="rect">
+            <a:avLst/>
+          </a:prstGeom>
+          <a:noFill/>
+        </p:spPr>
+        <p:txBody>
+          <a:bodyPr wrap="square" rtlCol="0">
+            <a:spAutoFit/>
+          </a:bodyPr>
+          <a:lstStyle/>
+          <a:p>
+            <a:r>
+              <a:rPr lang="de-CH" sz="6600" dirty="0"/>
+              <a:t>47°C</a:t>
+            </a:r>
+          </a:p>
+        </p:txBody>
+      </p:sp>
+      <p:sp>
+        <p:nvSpPr>
+          <p:cNvPr id="40" name="Textfeld 39">
+            <a:extLst>
+              <a:ext uri="{FF2B5EF4-FFF2-40B4-BE49-F238E27FC236}">
+                <a16:creationId xmlns:a16="http://schemas.microsoft.com/office/drawing/2014/main" id="{E5EBCD4A-C6F0-B242-CE90-0325FF48FC11}"/>
+              </a:ext>
+            </a:extLst>
+          </p:cNvPr>
+          <p:cNvSpPr txBox="1"/>
+          <p:nvPr/>
+        </p:nvSpPr>
+        <p:spPr>
+          <a:xfrm>
+            <a:off x="8819898" y="32916473"/>
+            <a:ext cx="1791017" cy="1107996"/>
+          </a:xfrm>
+          <a:prstGeom prst="rect">
+            <a:avLst/>
+          </a:prstGeom>
+          <a:noFill/>
+        </p:spPr>
+        <p:txBody>
+          <a:bodyPr wrap="square" rtlCol="0">
+            <a:spAutoFit/>
+          </a:bodyPr>
+          <a:lstStyle/>
+          <a:p>
+            <a:r>
+              <a:rPr lang="de-CH" sz="6600" dirty="0"/>
+              <a:t>20°C</a:t>
+            </a:r>
+          </a:p>
+        </p:txBody>
+      </p:sp>
+      <p:pic>
+        <p:nvPicPr>
+          <p:cNvPr id="41" name="Picture 2" descr="Ear - Free medical icons">
+            <a:extLst>
+              <a:ext uri="{FF2B5EF4-FFF2-40B4-BE49-F238E27FC236}">
+                <a16:creationId xmlns:a16="http://schemas.microsoft.com/office/drawing/2014/main" id="{73BDCFF4-21D0-FCEB-A33A-4815119C5530}"/>
+              </a:ext>
+            </a:extLst>
+          </p:cNvPr>
+          <p:cNvPicPr>
+            <a:picLocks noChangeAspect="1" noChangeArrowheads="1"/>
+          </p:cNvPicPr>
+          <p:nvPr/>
+        </p:nvPicPr>
+        <p:blipFill>
+          <a:blip r:embed="rId7" cstate="print">
+            <a:extLst>
+              <a:ext uri="{28A0092B-C50C-407E-A947-70E740481C1C}">
+                <a14:useLocalDpi xmlns:a14="http://schemas.microsoft.com/office/drawing/2010/main" val="0"/>
+              </a:ext>
+            </a:extLst>
+          </a:blip>
+          <a:srcRect/>
+          <a:stretch>
+            <a:fillRect/>
+          </a:stretch>
+        </p:blipFill>
+        <p:spPr bwMode="auto">
+          <a:xfrm>
+            <a:off x="3710537" y="32552377"/>
+            <a:ext cx="1824082" cy="1824082"/>
+          </a:xfrm>
+          <a:prstGeom prst="rect">
+            <a:avLst/>
+          </a:prstGeom>
+          <a:noFill/>
+          <a:extLst>
+            <a:ext uri="{909E8E84-426E-40DD-AFC4-6F175D3DCCD1}">
+              <a14:hiddenFill xmlns:a14="http://schemas.microsoft.com/office/drawing/2010/main">
+                <a:solidFill>
+                  <a:srgbClr val="FFFFFF"/>
+                </a:solidFill>
+              </a14:hiddenFill>
+            </a:ext>
+          </a:extLst>
+        </p:spPr>
+      </p:pic>
+      <p:sp>
+        <p:nvSpPr>
+          <p:cNvPr id="42" name="Textfeld 41">
+            <a:extLst>
+              <a:ext uri="{FF2B5EF4-FFF2-40B4-BE49-F238E27FC236}">
+                <a16:creationId xmlns:a16="http://schemas.microsoft.com/office/drawing/2014/main" id="{146F30C2-D1B3-DA6F-AFD2-17E6EAA4B4C7}"/>
+              </a:ext>
+            </a:extLst>
+          </p:cNvPr>
+          <p:cNvSpPr txBox="1"/>
+          <p:nvPr/>
+        </p:nvSpPr>
+        <p:spPr>
+          <a:xfrm>
+            <a:off x="5367840" y="32882220"/>
+            <a:ext cx="1791017" cy="1107996"/>
+          </a:xfrm>
+          <a:prstGeom prst="rect">
+            <a:avLst/>
+          </a:prstGeom>
+          <a:noFill/>
+        </p:spPr>
+        <p:txBody>
+          <a:bodyPr wrap="square" rtlCol="0">
+            <a:spAutoFit/>
+          </a:bodyPr>
+          <a:lstStyle/>
+          <a:p>
+            <a:r>
+              <a:rPr lang="de-CH" sz="6600" dirty="0"/>
+              <a:t>37°C</a:t>
+            </a:r>
+          </a:p>
+        </p:txBody>
+      </p:sp>
+      <p:sp>
+        <p:nvSpPr>
+          <p:cNvPr id="43" name="Textfeld 42">
+            <a:extLst>
+              <a:ext uri="{FF2B5EF4-FFF2-40B4-BE49-F238E27FC236}">
+                <a16:creationId xmlns:a16="http://schemas.microsoft.com/office/drawing/2014/main" id="{5D8D8C40-8B11-B0D8-13AC-1EEBEB17D1BE}"/>
+              </a:ext>
+            </a:extLst>
+          </p:cNvPr>
+          <p:cNvSpPr txBox="1"/>
+          <p:nvPr/>
+        </p:nvSpPr>
+        <p:spPr>
+          <a:xfrm>
+            <a:off x="1919520" y="32882220"/>
+            <a:ext cx="1791017" cy="1107996"/>
+          </a:xfrm>
+          <a:prstGeom prst="rect">
+            <a:avLst/>
+          </a:prstGeom>
+          <a:noFill/>
+        </p:spPr>
+        <p:txBody>
+          <a:bodyPr wrap="square" rtlCol="0">
+            <a:spAutoFit/>
+          </a:bodyPr>
+          <a:lstStyle/>
+          <a:p>
+            <a:r>
+              <a:rPr lang="de-CH" sz="6600" dirty="0"/>
+              <a:t>37°C</a:t>
+            </a:r>
+          </a:p>
+        </p:txBody>
+      </p:sp>
+      <p:sp>
+        <p:nvSpPr>
+          <p:cNvPr id="45" name="Multiplikationszeichen 44">
+            <a:extLst>
+              <a:ext uri="{FF2B5EF4-FFF2-40B4-BE49-F238E27FC236}">
+                <a16:creationId xmlns:a16="http://schemas.microsoft.com/office/drawing/2014/main" id="{69B9B987-3F4B-D372-9B1F-04FDF9CFA3A1}"/>
+              </a:ext>
+            </a:extLst>
+          </p:cNvPr>
+          <p:cNvSpPr/>
+          <p:nvPr/>
+        </p:nvSpPr>
+        <p:spPr>
+          <a:xfrm>
+            <a:off x="8071385" y="35213215"/>
+            <a:ext cx="3288042" cy="3067397"/>
+          </a:xfrm>
+          <a:prstGeom prst="mathMultiply">
+            <a:avLst>
+              <a:gd name="adj1" fmla="val 4550"/>
+            </a:avLst>
+          </a:prstGeom>
+          <a:solidFill>
+            <a:srgbClr val="000000"/>
+          </a:solidFill>
+        </p:spPr>
+        <p:style>
+          <a:lnRef idx="2">
+            <a:schemeClr val="accent1">
+              <a:shade val="50000"/>
+            </a:schemeClr>
+          </a:lnRef>
+          <a:fillRef idx="1">
+            <a:schemeClr val="accent1"/>
+          </a:fillRef>
+          <a:effectRef idx="0">
+            <a:schemeClr val="accent1"/>
+          </a:effectRef>
+          <a:fontRef idx="minor">
+            <a:schemeClr val="lt1"/>
+          </a:fontRef>
+        </p:style>
+        <p:txBody>
+          <a:bodyPr rtlCol="0" anchor="ctr"/>
+          <a:lstStyle/>
+          <a:p>
+            <a:pPr algn="ctr"/>
+            <a:endParaRPr lang="de-CH"/>
+          </a:p>
+        </p:txBody>
+      </p:sp>
+      <p:sp>
+        <p:nvSpPr>
+          <p:cNvPr id="46" name="Textfeld 45">
+            <a:extLst>
+              <a:ext uri="{FF2B5EF4-FFF2-40B4-BE49-F238E27FC236}">
+                <a16:creationId xmlns:a16="http://schemas.microsoft.com/office/drawing/2014/main" id="{69876777-8EB1-0478-B9D2-4F88E3830B3E}"/>
+              </a:ext>
+            </a:extLst>
+          </p:cNvPr>
+          <p:cNvSpPr txBox="1"/>
+          <p:nvPr/>
+        </p:nvSpPr>
+        <p:spPr>
+          <a:xfrm>
+            <a:off x="1978039" y="22843088"/>
+            <a:ext cx="12383776" cy="1015663"/>
+          </a:xfrm>
+          <a:prstGeom prst="rect">
+            <a:avLst/>
+          </a:prstGeom>
+          <a:noFill/>
+        </p:spPr>
+        <p:txBody>
+          <a:bodyPr wrap="square" rtlCol="0">
+            <a:spAutoFit/>
+          </a:bodyPr>
+          <a:lstStyle/>
+          <a:p>
+            <a:r>
+              <a:rPr lang="en-GB" sz="6000" b="1" dirty="0"/>
+              <a:t>Task</a:t>
+            </a:r>
+            <a:r>
+              <a:rPr lang="en-GB" sz="6000" dirty="0"/>
+              <a:t>:</a:t>
+            </a:r>
+          </a:p>
+        </p:txBody>
+      </p:sp>
+      <p:sp>
+        <p:nvSpPr>
+          <p:cNvPr id="47" name="Textfeld 46">
+            <a:extLst>
+              <a:ext uri="{FF2B5EF4-FFF2-40B4-BE49-F238E27FC236}">
+                <a16:creationId xmlns:a16="http://schemas.microsoft.com/office/drawing/2014/main" id="{FC3AF32D-FD5C-B5C4-3B6E-90BBFDE6CF48}"/>
+              </a:ext>
+            </a:extLst>
+          </p:cNvPr>
+          <p:cNvSpPr txBox="1"/>
+          <p:nvPr/>
+        </p:nvSpPr>
+        <p:spPr>
+          <a:xfrm>
+            <a:off x="1978039" y="27450987"/>
+            <a:ext cx="12383776" cy="1015663"/>
+          </a:xfrm>
+          <a:prstGeom prst="rect">
+            <a:avLst/>
+          </a:prstGeom>
+          <a:noFill/>
+        </p:spPr>
+        <p:txBody>
+          <a:bodyPr wrap="square" rtlCol="0">
+            <a:spAutoFit/>
+          </a:bodyPr>
+          <a:lstStyle/>
+          <a:p>
+            <a:r>
+              <a:rPr lang="en-GB" sz="6000" b="1" dirty="0"/>
+              <a:t>Conditions</a:t>
+            </a:r>
+            <a:r>
+              <a:rPr lang="en-GB" sz="6000" dirty="0"/>
+              <a:t>:</a:t>
+            </a:r>
+          </a:p>
+        </p:txBody>
+      </p:sp>
+      <p:sp>
+        <p:nvSpPr>
+          <p:cNvPr id="49" name="Kreis: nicht ausgefüllt 48">
+            <a:extLst>
+              <a:ext uri="{FF2B5EF4-FFF2-40B4-BE49-F238E27FC236}">
+                <a16:creationId xmlns:a16="http://schemas.microsoft.com/office/drawing/2014/main" id="{4562E094-6CB7-4BC3-41C2-AE564207580B}"/>
+              </a:ext>
+            </a:extLst>
+          </p:cNvPr>
+          <p:cNvSpPr/>
+          <p:nvPr/>
+        </p:nvSpPr>
+        <p:spPr>
+          <a:xfrm>
+            <a:off x="9449305" y="24738641"/>
+            <a:ext cx="1061311" cy="965628"/>
+          </a:xfrm>
+          <a:prstGeom prst="donut">
+            <a:avLst>
+              <a:gd name="adj" fmla="val 11827"/>
+            </a:avLst>
+          </a:prstGeom>
+          <a:solidFill>
+            <a:srgbClr val="C00000"/>
+          </a:solidFill>
+          <a:ln>
+            <a:solidFill>
+              <a:srgbClr val="C00000"/>
+            </a:solidFill>
+          </a:ln>
+        </p:spPr>
+        <p:style>
+          <a:lnRef idx="2">
+            <a:schemeClr val="accent1">
+              <a:shade val="50000"/>
+            </a:schemeClr>
+          </a:lnRef>
+          <a:fillRef idx="1">
+            <a:schemeClr val="accent1"/>
+          </a:fillRef>
+          <a:effectRef idx="0">
+            <a:schemeClr val="accent1"/>
+          </a:effectRef>
+          <a:fontRef idx="minor">
+            <a:schemeClr val="lt1"/>
+          </a:fontRef>
+        </p:style>
+        <p:txBody>
+          <a:bodyPr rtlCol="0" anchor="ctr"/>
+          <a:lstStyle/>
+          <a:p>
+            <a:pPr algn="ctr"/>
+            <a:endParaRPr lang="de-CH">
               <a:solidFill>
                 <a:schemeClr val="tx1"/>
               </a:solidFill>
             </a:endParaRPr>
+          </a:p>
+        </p:txBody>
+      </p:sp>
+      <p:sp>
+        <p:nvSpPr>
+          <p:cNvPr id="48" name="Kreis: nicht ausgefüllt 47">
+            <a:extLst>
+              <a:ext uri="{FF2B5EF4-FFF2-40B4-BE49-F238E27FC236}">
+                <a16:creationId xmlns:a16="http://schemas.microsoft.com/office/drawing/2014/main" id="{4B2216E9-170E-92CE-B4B7-89B03BFCBC58}"/>
+              </a:ext>
+            </a:extLst>
+          </p:cNvPr>
+          <p:cNvSpPr/>
+          <p:nvPr/>
+        </p:nvSpPr>
+        <p:spPr>
+          <a:xfrm>
+            <a:off x="5557551" y="25038761"/>
+            <a:ext cx="1061311" cy="965628"/>
+          </a:xfrm>
+          <a:prstGeom prst="donut">
+            <a:avLst>
+              <a:gd name="adj" fmla="val 11827"/>
+            </a:avLst>
+          </a:prstGeom>
+          <a:solidFill>
+            <a:srgbClr val="C00000"/>
+          </a:solidFill>
+          <a:ln>
+            <a:solidFill>
+              <a:srgbClr val="C00000"/>
+            </a:solidFill>
+          </a:ln>
+        </p:spPr>
+        <p:style>
+          <a:lnRef idx="2">
+            <a:schemeClr val="accent1">
+              <a:shade val="50000"/>
+            </a:schemeClr>
+          </a:lnRef>
+          <a:fillRef idx="1">
+            <a:schemeClr val="accent1"/>
+          </a:fillRef>
+          <a:effectRef idx="0">
+            <a:schemeClr val="accent1"/>
+          </a:effectRef>
+          <a:fontRef idx="minor">
+            <a:schemeClr val="lt1"/>
+          </a:fontRef>
+        </p:style>
+        <p:txBody>
+          <a:bodyPr rtlCol="0" anchor="ctr"/>
+          <a:lstStyle/>
+          <a:p>
+            <a:pPr algn="ctr"/>
+            <a:endParaRPr lang="de-CH">
+              <a:solidFill>
+                <a:schemeClr val="tx1"/>
+              </a:solidFill>
+            </a:endParaRPr>
+          </a:p>
+        </p:txBody>
+      </p:sp>
+      <p:sp>
+        <p:nvSpPr>
+          <p:cNvPr id="50" name="Kreis: nicht ausgefüllt 49">
+            <a:extLst>
+              <a:ext uri="{FF2B5EF4-FFF2-40B4-BE49-F238E27FC236}">
+                <a16:creationId xmlns:a16="http://schemas.microsoft.com/office/drawing/2014/main" id="{E6DA68E3-C9DE-BFC5-27A1-80C9C46AD7AD}"/>
+              </a:ext>
+            </a:extLst>
+          </p:cNvPr>
+          <p:cNvSpPr/>
+          <p:nvPr/>
+        </p:nvSpPr>
+        <p:spPr>
+          <a:xfrm>
+            <a:off x="7735928" y="24337390"/>
+            <a:ext cx="1061311" cy="965628"/>
+          </a:xfrm>
+          <a:prstGeom prst="donut">
+            <a:avLst>
+              <a:gd name="adj" fmla="val 11827"/>
+            </a:avLst>
+          </a:prstGeom>
+          <a:solidFill>
+            <a:srgbClr val="C00000"/>
+          </a:solidFill>
+          <a:ln>
+            <a:solidFill>
+              <a:srgbClr val="C00000"/>
+            </a:solidFill>
+          </a:ln>
+        </p:spPr>
+        <p:style>
+          <a:lnRef idx="2">
+            <a:schemeClr val="accent1">
+              <a:shade val="50000"/>
+            </a:schemeClr>
+          </a:lnRef>
+          <a:fillRef idx="1">
+            <a:schemeClr val="accent1"/>
+          </a:fillRef>
+          <a:effectRef idx="0">
+            <a:schemeClr val="accent1"/>
+          </a:effectRef>
+          <a:fontRef idx="minor">
+            <a:schemeClr val="lt1"/>
+          </a:fontRef>
+        </p:style>
+        <p:txBody>
+          <a:bodyPr rtlCol="0" anchor="ctr"/>
+          <a:lstStyle/>
+          <a:p>
+            <a:pPr algn="ctr"/>
+            <a:endParaRPr lang="de-CH" dirty="0">
+              <a:solidFill>
+                <a:schemeClr val="tx1"/>
+              </a:solidFill>
+            </a:endParaRPr>
+          </a:p>
+        </p:txBody>
+      </p:sp>
+      <p:sp>
+        <p:nvSpPr>
+          <p:cNvPr id="51" name="Kreis: nicht ausgefüllt 50">
+            <a:extLst>
+              <a:ext uri="{FF2B5EF4-FFF2-40B4-BE49-F238E27FC236}">
+                <a16:creationId xmlns:a16="http://schemas.microsoft.com/office/drawing/2014/main" id="{4E638653-2CC2-F39A-0044-E020EC02061F}"/>
+              </a:ext>
+            </a:extLst>
+          </p:cNvPr>
+          <p:cNvSpPr/>
+          <p:nvPr/>
+        </p:nvSpPr>
+        <p:spPr>
+          <a:xfrm>
+            <a:off x="7323973" y="25704269"/>
+            <a:ext cx="1061311" cy="965628"/>
+          </a:xfrm>
+          <a:prstGeom prst="donut">
+            <a:avLst>
+              <a:gd name="adj" fmla="val 11827"/>
+            </a:avLst>
+          </a:prstGeom>
+          <a:solidFill>
+            <a:srgbClr val="C00000"/>
+          </a:solidFill>
+          <a:ln>
+            <a:solidFill>
+              <a:srgbClr val="C00000"/>
+            </a:solidFill>
+          </a:ln>
+        </p:spPr>
+        <p:style>
+          <a:lnRef idx="2">
+            <a:schemeClr val="accent1">
+              <a:shade val="50000"/>
+            </a:schemeClr>
+          </a:lnRef>
+          <a:fillRef idx="1">
+            <a:schemeClr val="accent1"/>
+          </a:fillRef>
+          <a:effectRef idx="0">
+            <a:schemeClr val="accent1"/>
+          </a:effectRef>
+          <a:fontRef idx="minor">
+            <a:schemeClr val="lt1"/>
+          </a:fontRef>
+        </p:style>
+        <p:txBody>
+          <a:bodyPr rtlCol="0" anchor="ctr"/>
+          <a:lstStyle/>
+          <a:p>
+            <a:pPr algn="ctr"/>
+            <a:endParaRPr lang="de-CH">
+              <a:solidFill>
+                <a:schemeClr val="tx1"/>
+              </a:solidFill>
+            </a:endParaRPr>
+          </a:p>
+        </p:txBody>
+      </p:sp>
+      <p:pic>
+        <p:nvPicPr>
+          <p:cNvPr id="59" name="Grafik 58" descr="Ein Bild, das Diagramm, Text, Screenshot, Rechteck enthält.&#10;&#10;Automatisch generierte Beschreibung">
+            <a:extLst>
+              <a:ext uri="{FF2B5EF4-FFF2-40B4-BE49-F238E27FC236}">
+                <a16:creationId xmlns:a16="http://schemas.microsoft.com/office/drawing/2014/main" id="{87F9F903-2C42-F111-286A-9A1ACCC7E967}"/>
+              </a:ext>
+            </a:extLst>
+          </p:cNvPr>
+          <p:cNvPicPr>
+            <a:picLocks noChangeAspect="1"/>
+          </p:cNvPicPr>
+          <p:nvPr/>
+        </p:nvPicPr>
+        <p:blipFill rotWithShape="1">
+          <a:blip r:embed="rId8">
+            <a:extLst>
+              <a:ext uri="{28A0092B-C50C-407E-A947-70E740481C1C}">
+                <a14:useLocalDpi xmlns:a14="http://schemas.microsoft.com/office/drawing/2010/main" val="0"/>
+              </a:ext>
+            </a:extLst>
+          </a:blip>
+          <a:srcRect t="6865"/>
+          <a:stretch/>
+        </p:blipFill>
+        <p:spPr>
+          <a:xfrm>
+            <a:off x="16740183" y="12000164"/>
+            <a:ext cx="11529976" cy="6535806"/>
+          </a:xfrm>
+          <a:prstGeom prst="rect">
+            <a:avLst/>
+          </a:prstGeom>
+          <a:ln>
+            <a:solidFill>
+              <a:schemeClr val="tx1"/>
+            </a:solidFill>
+          </a:ln>
+        </p:spPr>
+      </p:pic>
+      <p:pic>
+        <p:nvPicPr>
+          <p:cNvPr id="61" name="Grafik 60" descr="Ein Bild, das Text, Diagramm, Screenshot, Rechteck enthält.&#10;&#10;Automatisch generierte Beschreibung">
+            <a:extLst>
+              <a:ext uri="{FF2B5EF4-FFF2-40B4-BE49-F238E27FC236}">
+                <a16:creationId xmlns:a16="http://schemas.microsoft.com/office/drawing/2014/main" id="{125930F7-1B21-20D3-FB17-09E254F05634}"/>
+              </a:ext>
+            </a:extLst>
+          </p:cNvPr>
+          <p:cNvPicPr>
+            <a:picLocks noChangeAspect="1"/>
+          </p:cNvPicPr>
+          <p:nvPr/>
+        </p:nvPicPr>
+        <p:blipFill rotWithShape="1">
+          <a:blip r:embed="rId9">
+            <a:extLst>
+              <a:ext uri="{28A0092B-C50C-407E-A947-70E740481C1C}">
+                <a14:useLocalDpi xmlns:a14="http://schemas.microsoft.com/office/drawing/2010/main" val="0"/>
+              </a:ext>
+            </a:extLst>
+          </a:blip>
+          <a:srcRect t="8149"/>
+          <a:stretch/>
+        </p:blipFill>
+        <p:spPr>
+          <a:xfrm>
+            <a:off x="16639372" y="21489849"/>
+            <a:ext cx="11529976" cy="6535806"/>
+          </a:xfrm>
+          <a:prstGeom prst="rect">
+            <a:avLst/>
+          </a:prstGeom>
+          <a:ln>
+            <a:solidFill>
+              <a:schemeClr val="tx1"/>
+            </a:solidFill>
+          </a:ln>
+        </p:spPr>
+      </p:pic>
+      <p:sp>
+        <p:nvSpPr>
+          <p:cNvPr id="7" name="Textfeld 6">
+            <a:extLst>
+              <a:ext uri="{FF2B5EF4-FFF2-40B4-BE49-F238E27FC236}">
+                <a16:creationId xmlns:a16="http://schemas.microsoft.com/office/drawing/2014/main" id="{F496ACA6-545D-EDDA-C426-EBA7DC12AEF7}"/>
+              </a:ext>
+            </a:extLst>
+          </p:cNvPr>
+          <p:cNvSpPr txBox="1"/>
+          <p:nvPr/>
+        </p:nvSpPr>
+        <p:spPr>
+          <a:xfrm>
+            <a:off x="16564455" y="10234977"/>
+            <a:ext cx="12383776" cy="1015663"/>
+          </a:xfrm>
+          <a:prstGeom prst="rect">
+            <a:avLst/>
+          </a:prstGeom>
+          <a:noFill/>
+        </p:spPr>
+        <p:txBody>
+          <a:bodyPr wrap="square" rtlCol="0">
+            <a:spAutoFit/>
+          </a:bodyPr>
+          <a:lstStyle/>
+          <a:p>
+            <a:r>
+              <a:rPr lang="en-GB" sz="6000" b="1" dirty="0"/>
+              <a:t>Length:</a:t>
+            </a:r>
+            <a:endParaRPr lang="en-GB" sz="4800" dirty="0"/>
+          </a:p>
+        </p:txBody>
+      </p:sp>
+      <p:sp>
+        <p:nvSpPr>
+          <p:cNvPr id="13" name="Textfeld 12">
+            <a:extLst>
+              <a:ext uri="{FF2B5EF4-FFF2-40B4-BE49-F238E27FC236}">
+                <a16:creationId xmlns:a16="http://schemas.microsoft.com/office/drawing/2014/main" id="{893BCA95-A523-D608-661C-9FE35CDC9B11}"/>
+              </a:ext>
+            </a:extLst>
+          </p:cNvPr>
+          <p:cNvSpPr txBox="1"/>
+          <p:nvPr/>
+        </p:nvSpPr>
+        <p:spPr>
+          <a:xfrm>
+            <a:off x="16639372" y="19722709"/>
+            <a:ext cx="12383776" cy="1015663"/>
+          </a:xfrm>
+          <a:prstGeom prst="rect">
+            <a:avLst/>
+          </a:prstGeom>
+          <a:noFill/>
+        </p:spPr>
+        <p:txBody>
+          <a:bodyPr wrap="square" rtlCol="0">
+            <a:spAutoFit/>
+          </a:bodyPr>
+          <a:lstStyle/>
+          <a:p>
+            <a:r>
+              <a:rPr lang="en-GB" sz="6000" b="1" dirty="0"/>
+              <a:t>Width:</a:t>
+            </a:r>
+            <a:endParaRPr lang="en-GB" sz="4800" dirty="0"/>
           </a:p>
         </p:txBody>
       </p:sp>
     </p:spTree>
     <p:extLst>
       <p:ext uri="{BB962C8B-B14F-4D97-AF65-F5344CB8AC3E}">
-        <p14:creationId xmlns:p14="http://schemas.microsoft.com/office/powerpoint/2010/main" val="1635717065"/>
+        <p14:creationId xmlns:p14="http://schemas.microsoft.com/office/powerpoint/2010/main" val="3272253651"/>
       </p:ext>
     </p:extLst>
   </p:cSld>
@@ -2707,12 +4324,6 @@
 </file>
 
 <file path=ppt/tags/tag1.xml><?xml version="1.0" encoding="utf-8"?>
-<p:tagLst xmlns:a="http://schemas.openxmlformats.org/drawingml/2006/main" xmlns:r="http://schemas.openxmlformats.org/officeDocument/2006/relationships" xmlns:p="http://schemas.openxmlformats.org/presentationml/2006/main">
-  <p:tag name="SHAPE_LOCKS" val="1935"/>
-</p:tagLst>
-</file>
-
-<file path=ppt/tags/tag10.xml><?xml version="1.0" encoding="utf-8"?>
 <p:tagLst xmlns:a="http://schemas.openxmlformats.org/drawingml/2006/main" xmlns:r="http://schemas.openxmlformats.org/officeDocument/2006/relationships" xmlns:p="http://schemas.openxmlformats.org/presentationml/2006/main">
   <p:tag name="SHAPE_LOCKS" val="1935"/>
 </p:tagLst>
@@ -2749,18 +4360,6 @@
 </file>
 
 <file path=ppt/tags/tag7.xml><?xml version="1.0" encoding="utf-8"?>
-<p:tagLst xmlns:a="http://schemas.openxmlformats.org/drawingml/2006/main" xmlns:r="http://schemas.openxmlformats.org/officeDocument/2006/relationships" xmlns:p="http://schemas.openxmlformats.org/presentationml/2006/main">
-  <p:tag name="SHAPE_LOCKS" val="1935"/>
-</p:tagLst>
-</file>
-
-<file path=ppt/tags/tag8.xml><?xml version="1.0" encoding="utf-8"?>
-<p:tagLst xmlns:a="http://schemas.openxmlformats.org/drawingml/2006/main" xmlns:r="http://schemas.openxmlformats.org/officeDocument/2006/relationships" xmlns:p="http://schemas.openxmlformats.org/presentationml/2006/main">
-  <p:tag name="SHAPE_LOCKS" val="1935"/>
-</p:tagLst>
-</file>
-
-<file path=ppt/tags/tag9.xml><?xml version="1.0" encoding="utf-8"?>
 <p:tagLst xmlns:a="http://schemas.openxmlformats.org/drawingml/2006/main" xmlns:r="http://schemas.openxmlformats.org/officeDocument/2006/relationships" xmlns:p="http://schemas.openxmlformats.org/presentationml/2006/main">
   <p:tag name="SHAPE_LOCKS" val="1935"/>
 </p:tagLst>

--- a/Poster/VisualChirp_Forschungsatelier.pptx
+++ b/Poster/VisualChirp_Forschungsatelier.pptx
@@ -337,7 +337,7 @@
           <a:p>
             <a:fld id="{A70AE70C-D509-4E4B-9352-79C3D11520D1}" type="datetimeFigureOut">
               <a:rPr lang="de-DE" smtClean="0"/>
-              <a:t>25.05.2023</a:t>
+              <a:t>27.05.2023</a:t>
             </a:fld>
             <a:endParaRPr lang="de-DE"/>
           </a:p>
@@ -514,7 +514,7 @@
           <a:p>
             <a:fld id="{B77602DA-7CEE-4298-AF4B-1C87D65BAB06}" type="datetimeFigureOut">
               <a:rPr lang="de-CH" smtClean="0"/>
-              <a:t>25.05.2023</a:t>
+              <a:t>27.05.2023</a:t>
             </a:fld>
             <a:endParaRPr lang="de-CH" dirty="0"/>
           </a:p>
@@ -1997,7 +1997,7 @@
         <p:spPr>
           <a:xfrm>
             <a:off x="1441738" y="18799573"/>
-            <a:ext cx="13077985" cy="20785097"/>
+            <a:ext cx="13299497" cy="20785097"/>
           </a:xfrm>
           <a:prstGeom prst="rect">
             <a:avLst/>
@@ -2069,7 +2069,7 @@
         </p:blipFill>
         <p:spPr bwMode="auto">
           <a:xfrm>
-            <a:off x="5198034" y="23027916"/>
+            <a:off x="5198034" y="22479276"/>
             <a:ext cx="5935443" cy="4151550"/>
           </a:xfrm>
           <a:prstGeom prst="rect">
@@ -2148,7 +2148,7 @@
         </p:blipFill>
         <p:spPr bwMode="auto">
           <a:xfrm rot="5211513">
-            <a:off x="4747288" y="22501336"/>
+            <a:off x="4747288" y="21952696"/>
             <a:ext cx="6073541" cy="5332866"/>
           </a:xfrm>
           <a:prstGeom prst="rect">
@@ -2180,7 +2180,7 @@
         </p:nvSpPr>
         <p:spPr>
           <a:xfrm>
-            <a:off x="-205740" y="5875020"/>
+            <a:off x="-193702" y="5850274"/>
             <a:ext cx="31455360" cy="3092076"/>
           </a:xfrm>
           <a:prstGeom prst="rect">
@@ -2232,8 +2232,8 @@
         </p:nvSpPr>
         <p:spPr>
           <a:xfrm>
-            <a:off x="1394973" y="8971348"/>
-            <a:ext cx="13124751" cy="8718677"/>
+            <a:off x="1379813" y="8112369"/>
+            <a:ext cx="13361423" cy="9597129"/>
           </a:xfrm>
           <a:prstGeom prst="rect">
             <a:avLst/>
@@ -2372,8 +2372,8 @@
         </p:nvSpPr>
         <p:spPr>
           <a:xfrm>
-            <a:off x="1394974" y="5468206"/>
-            <a:ext cx="27393037" cy="2882459"/>
+            <a:off x="1394973" y="5198224"/>
+            <a:ext cx="27393037" cy="2210390"/>
           </a:xfrm>
         </p:spPr>
         <p:txBody>
@@ -2487,8 +2487,8 @@
         </p:nvSpPr>
         <p:spPr>
           <a:xfrm>
-            <a:off x="1978039" y="9847569"/>
-            <a:ext cx="12081196" cy="7478970"/>
+            <a:off x="1709888" y="8936363"/>
+            <a:ext cx="12763196" cy="8710077"/>
           </a:xfrm>
           <a:prstGeom prst="rect">
             <a:avLst/>
@@ -2502,29 +2502,132 @@
           <a:lstStyle/>
           <a:p>
             <a:r>
-              <a:rPr lang="en-US" sz="6000" dirty="0"/>
-              <a:t>Prior findings suggest significant effects of vestibular stimulation on hand representation. The Body Schema is assumed to change with vestibular stimulation</a:t>
-            </a:r>
-            <a:r>
-              <a:rPr lang="en-US" sz="6000" baseline="30000" dirty="0"/>
-              <a:t>[1,2]</a:t>
-            </a:r>
-            <a:r>
-              <a:rPr lang="en-US" sz="6000" dirty="0"/>
-              <a:t>. </a:t>
-            </a:r>
-            <a:r>
-              <a:rPr lang="en-GB" sz="6000" dirty="0"/>
-              <a:t>This study uses the same methods as Lopez et al. (2012) while also adding a </a:t>
-            </a:r>
-            <a:r>
-              <a:rPr lang="en-GB" sz="6000" dirty="0">
+              <a:rPr lang="en-US" sz="4000" b="1" dirty="0">
+                <a:latin typeface="Times New Roman" panose="02020603050405020304" pitchFamily="18" charset="0"/>
+                <a:cs typeface="Times New Roman" panose="02020603050405020304" pitchFamily="18" charset="0"/>
+              </a:rPr>
+              <a:t>Prior findings </a:t>
+            </a:r>
+            <a:r>
+              <a:rPr lang="en-US" sz="4000" dirty="0">
+                <a:latin typeface="Times New Roman" panose="02020603050405020304" pitchFamily="18" charset="0"/>
+                <a:cs typeface="Times New Roman" panose="02020603050405020304" pitchFamily="18" charset="0"/>
+              </a:rPr>
+              <a:t>found significant effects of vestibular stimulation on hand representation. It is assumed that vestibular stimulation changes the own body schema</a:t>
+            </a:r>
+            <a:r>
+              <a:rPr lang="en-US" sz="4000" baseline="30000" dirty="0">
+                <a:latin typeface="Times New Roman" panose="02020603050405020304" pitchFamily="18" charset="0"/>
+                <a:cs typeface="Times New Roman" panose="02020603050405020304" pitchFamily="18" charset="0"/>
+              </a:rPr>
+              <a:t>[1,2]. </a:t>
+            </a:r>
+            <a:r>
+              <a:rPr lang="en-GB" sz="4000" b="1" dirty="0">
+                <a:latin typeface="Times New Roman" panose="02020603050405020304" pitchFamily="18" charset="0"/>
+                <a:cs typeface="Times New Roman" panose="02020603050405020304" pitchFamily="18" charset="0"/>
+              </a:rPr>
+              <a:t>This study </a:t>
+            </a:r>
+            <a:r>
+              <a:rPr lang="en-GB" sz="4000" dirty="0">
+                <a:latin typeface="Times New Roman" panose="02020603050405020304" pitchFamily="18" charset="0"/>
+                <a:cs typeface="Times New Roman" panose="02020603050405020304" pitchFamily="18" charset="0"/>
+              </a:rPr>
+              <a:t>replicates the caloric stimulation and </a:t>
+            </a:r>
+            <a:r>
+              <a:rPr lang="en-GB" sz="4000" dirty="0" err="1">
+                <a:latin typeface="Times New Roman" panose="02020603050405020304" pitchFamily="18" charset="0"/>
+                <a:cs typeface="Times New Roman" panose="02020603050405020304" pitchFamily="18" charset="0"/>
+              </a:rPr>
+              <a:t>questionaire</a:t>
+            </a:r>
+            <a:r>
+              <a:rPr lang="en-GB" sz="4000" dirty="0">
+                <a:latin typeface="Times New Roman" panose="02020603050405020304" pitchFamily="18" charset="0"/>
+                <a:cs typeface="Times New Roman" panose="02020603050405020304" pitchFamily="18" charset="0"/>
+              </a:rPr>
+              <a:t> from Lopez et al. (2012) while also adding a </a:t>
+            </a:r>
+            <a:r>
+              <a:rPr lang="en-GB" sz="4000" dirty="0">
                 <a:solidFill>
                   <a:schemeClr val="tx1"/>
                 </a:solidFill>
-              </a:rPr>
-              <a:t>motion platform.</a:t>
-            </a:r>
+                <a:latin typeface="Times New Roman" panose="02020603050405020304" pitchFamily="18" charset="0"/>
+                <a:cs typeface="Times New Roman" panose="02020603050405020304" pitchFamily="18" charset="0"/>
+              </a:rPr>
+              <a:t>motion platform as a condition. There are three hypothesis:</a:t>
+            </a:r>
+            <a:endParaRPr lang="en-GB" sz="4000" dirty="0">
+              <a:latin typeface="Times New Roman" panose="02020603050405020304" pitchFamily="18" charset="0"/>
+              <a:cs typeface="Times New Roman" panose="02020603050405020304" pitchFamily="18" charset="0"/>
+            </a:endParaRPr>
+          </a:p>
+          <a:p>
+            <a:pPr marL="571500" indent="-571500">
+              <a:buFont typeface="Arial" panose="020B0604020202020204" pitchFamily="34" charset="0"/>
+              <a:buChar char="•"/>
+            </a:pPr>
+            <a:r>
+              <a:rPr lang="en-GB" sz="4000" b="1" dirty="0">
+                <a:latin typeface="Times New Roman" panose="02020603050405020304" pitchFamily="18" charset="0"/>
+                <a:cs typeface="Times New Roman" panose="02020603050405020304" pitchFamily="18" charset="0"/>
+              </a:rPr>
+              <a:t>H1) </a:t>
+            </a:r>
+            <a:r>
+              <a:rPr lang="en-US" sz="4000" dirty="0">
+                <a:latin typeface="Times New Roman" panose="02020603050405020304" pitchFamily="18" charset="0"/>
+                <a:cs typeface="Times New Roman" panose="02020603050405020304" pitchFamily="18" charset="0"/>
+              </a:rPr>
+              <a:t>Perception of the hands should change during the stimuli so that the hands are perceived to be larger</a:t>
+            </a:r>
+          </a:p>
+          <a:p>
+            <a:pPr marL="571500" indent="-571500">
+              <a:buFont typeface="Arial" panose="020B0604020202020204" pitchFamily="34" charset="0"/>
+              <a:buChar char="•"/>
+            </a:pPr>
+            <a:r>
+              <a:rPr lang="en-US" sz="4000" b="1" dirty="0">
+                <a:latin typeface="Times New Roman" panose="02020603050405020304" pitchFamily="18" charset="0"/>
+                <a:cs typeface="Times New Roman" panose="02020603050405020304" pitchFamily="18" charset="0"/>
+              </a:rPr>
+              <a:t>H2) </a:t>
+            </a:r>
+            <a:r>
+              <a:rPr lang="en-US" sz="4000" dirty="0">
+                <a:latin typeface="Times New Roman" panose="02020603050405020304" pitchFamily="18" charset="0"/>
+                <a:cs typeface="Times New Roman" panose="02020603050405020304" pitchFamily="18" charset="0"/>
+              </a:rPr>
+              <a:t>The platform and caloric stimulation data should yield similar, as both stimulate the vestibular organ</a:t>
+            </a:r>
+          </a:p>
+          <a:p>
+            <a:pPr marL="571500" indent="-571500">
+              <a:buFont typeface="Arial" panose="020B0604020202020204" pitchFamily="34" charset="0"/>
+              <a:buChar char="•"/>
+            </a:pPr>
+            <a:r>
+              <a:rPr lang="en-US" sz="4000" b="1" dirty="0">
+                <a:latin typeface="Times New Roman" panose="02020603050405020304" pitchFamily="18" charset="0"/>
+                <a:cs typeface="Times New Roman" panose="02020603050405020304" pitchFamily="18" charset="0"/>
+              </a:rPr>
+              <a:t>H3) </a:t>
+            </a:r>
+            <a:r>
+              <a:rPr lang="en-US" sz="4000" dirty="0">
+                <a:latin typeface="Times New Roman" panose="02020603050405020304" pitchFamily="18" charset="0"/>
+                <a:cs typeface="Times New Roman" panose="02020603050405020304" pitchFamily="18" charset="0"/>
+              </a:rPr>
+              <a:t>We additionally expect that there will be a significant difference in the questionnaire about the body schema that will be given to the subjects at different times during the experiment</a:t>
+            </a:r>
+            <a:endParaRPr lang="en-GB" sz="4000" dirty="0">
+              <a:latin typeface="Times New Roman" panose="02020603050405020304" pitchFamily="18" charset="0"/>
+              <a:cs typeface="Times New Roman" panose="02020603050405020304" pitchFamily="18" charset="0"/>
+            </a:endParaRPr>
           </a:p>
         </p:txBody>
       </p:sp>
@@ -2542,7 +2645,7 @@
         </p:nvSpPr>
         <p:spPr>
           <a:xfrm>
-            <a:off x="1773629" y="8424971"/>
+            <a:off x="1773629" y="7565992"/>
             <a:ext cx="6203466" cy="1092755"/>
           </a:xfrm>
           <a:prstGeom prst="roundRect">
@@ -2573,10 +2676,15 @@
                 <a:solidFill>
                   <a:schemeClr val="tx1"/>
                 </a:solidFill>
+                <a:latin typeface="Arial" panose="020B0604020202020204" pitchFamily="34" charset="0"/>
+                <a:cs typeface="Arial" panose="020B0604020202020204" pitchFamily="34" charset="0"/>
               </a:rPr>
               <a:t>1. Introduction</a:t>
             </a:r>
-            <a:endParaRPr lang="en-CA" sz="6600" dirty="0"/>
+            <a:endParaRPr lang="en-CA" sz="6600" dirty="0">
+              <a:latin typeface="Arial" panose="020B0604020202020204" pitchFamily="34" charset="0"/>
+              <a:cs typeface="Arial" panose="020B0604020202020204" pitchFamily="34" charset="0"/>
+            </a:endParaRPr>
           </a:p>
         </p:txBody>
       </p:sp>
@@ -2594,8 +2702,8 @@
         </p:nvSpPr>
         <p:spPr>
           <a:xfrm>
-            <a:off x="1773629" y="18211505"/>
-            <a:ext cx="6203466" cy="1092755"/>
+            <a:off x="1773629" y="18091855"/>
+            <a:ext cx="7675676" cy="1203163"/>
           </a:xfrm>
           <a:prstGeom prst="roundRect">
             <a:avLst/>
@@ -2625,10 +2733,15 @@
                 <a:solidFill>
                   <a:schemeClr val="tx1"/>
                 </a:solidFill>
-              </a:rPr>
-              <a:t>2. Methods</a:t>
-            </a:r>
-            <a:endParaRPr lang="en-CA" sz="6600" dirty="0"/>
+                <a:latin typeface="Arial" panose="020B0604020202020204" pitchFamily="34" charset="0"/>
+                <a:cs typeface="Arial" panose="020B0604020202020204" pitchFamily="34" charset="0"/>
+              </a:rPr>
+              <a:t>2. Research Design</a:t>
+            </a:r>
+            <a:endParaRPr lang="en-CA" sz="6600" dirty="0">
+              <a:latin typeface="Arial" panose="020B0604020202020204" pitchFamily="34" charset="0"/>
+              <a:cs typeface="Arial" panose="020B0604020202020204" pitchFamily="34" charset="0"/>
+            </a:endParaRPr>
           </a:p>
         </p:txBody>
       </p:sp>
@@ -2646,8 +2759,8 @@
         </p:nvSpPr>
         <p:spPr>
           <a:xfrm>
-            <a:off x="1964299" y="19624206"/>
-            <a:ext cx="12383776" cy="2862322"/>
+            <a:off x="1788175" y="19623046"/>
+            <a:ext cx="12383776" cy="1938992"/>
           </a:xfrm>
           <a:prstGeom prst="rect">
             <a:avLst/>
@@ -2665,11 +2778,17 @@
               <a:buChar char="•"/>
             </a:pPr>
             <a:r>
-              <a:rPr lang="en-GB" sz="6000" b="1" dirty="0"/>
+              <a:rPr lang="en-GB" sz="4000" b="1" dirty="0">
+                <a:latin typeface="Times New Roman" panose="02020603050405020304" pitchFamily="18" charset="0"/>
+                <a:cs typeface="Times New Roman" panose="02020603050405020304" pitchFamily="18" charset="0"/>
+              </a:rPr>
               <a:t>N = 40</a:t>
             </a:r>
             <a:r>
-              <a:rPr lang="en-GB" sz="6000" dirty="0"/>
+              <a:rPr lang="en-GB" sz="4000" dirty="0">
+                <a:latin typeface="Times New Roman" panose="02020603050405020304" pitchFamily="18" charset="0"/>
+                <a:cs typeface="Times New Roman" panose="02020603050405020304" pitchFamily="18" charset="0"/>
+              </a:rPr>
               <a:t>, 10 participants for each order</a:t>
             </a:r>
           </a:p>
@@ -2679,11 +2798,17 @@
               <a:buChar char="•"/>
             </a:pPr>
             <a:r>
-              <a:rPr lang="en-GB" sz="6000" b="1" dirty="0"/>
+              <a:rPr lang="en-GB" sz="4000" b="1" dirty="0">
+                <a:latin typeface="Times New Roman" panose="02020603050405020304" pitchFamily="18" charset="0"/>
+                <a:cs typeface="Times New Roman" panose="02020603050405020304" pitchFamily="18" charset="0"/>
+              </a:rPr>
               <a:t>40 items </a:t>
             </a:r>
             <a:r>
-              <a:rPr lang="en-GB" sz="6000" dirty="0"/>
+              <a:rPr lang="en-GB" sz="4000" dirty="0">
+                <a:latin typeface="Times New Roman" panose="02020603050405020304" pitchFamily="18" charset="0"/>
+                <a:cs typeface="Times New Roman" panose="02020603050405020304" pitchFamily="18" charset="0"/>
+              </a:rPr>
               <a:t>for each task</a:t>
             </a:r>
           </a:p>
@@ -2693,14 +2818,19 @@
               <a:buChar char="•"/>
             </a:pPr>
             <a:r>
-              <a:rPr lang="en-GB" sz="6000" b="1" dirty="0"/>
+              <a:rPr lang="en-GB" sz="4000" b="1" dirty="0">
+                <a:latin typeface="Times New Roman" panose="02020603050405020304" pitchFamily="18" charset="0"/>
+                <a:cs typeface="Times New Roman" panose="02020603050405020304" pitchFamily="18" charset="0"/>
+              </a:rPr>
               <a:t>Questionnaire</a:t>
             </a:r>
             <a:r>
-              <a:rPr lang="en-GB" sz="6000" dirty="0"/>
-              <a:t> with 6 items</a:t>
-            </a:r>
-            <a:endParaRPr lang="en-GB" sz="4800" dirty="0"/>
+              <a:rPr lang="en-GB" sz="4000" dirty="0">
+                <a:latin typeface="Times New Roman" panose="02020603050405020304" pitchFamily="18" charset="0"/>
+                <a:cs typeface="Times New Roman" panose="02020603050405020304" pitchFamily="18" charset="0"/>
+              </a:rPr>
+              <a:t> with 6 items, given after each condition</a:t>
+            </a:r>
           </a:p>
         </p:txBody>
       </p:sp>
@@ -2765,8 +2895,8 @@
         </p:nvSpPr>
         <p:spPr>
           <a:xfrm>
-            <a:off x="15755489" y="8972302"/>
-            <a:ext cx="13124752" cy="20551292"/>
+            <a:off x="15533978" y="8112370"/>
+            <a:ext cx="13346263" cy="22802474"/>
           </a:xfrm>
           <a:prstGeom prst="rect">
             <a:avLst/>
@@ -2823,8 +2953,8 @@
         </p:nvSpPr>
         <p:spPr>
           <a:xfrm>
-            <a:off x="15755489" y="30703540"/>
-            <a:ext cx="13124752" cy="8892751"/>
+            <a:off x="15580744" y="31938691"/>
+            <a:ext cx="13299497" cy="7657601"/>
           </a:xfrm>
           <a:prstGeom prst="rect">
             <a:avLst/>
@@ -2881,8 +3011,8 @@
         </p:nvSpPr>
         <p:spPr>
           <a:xfrm>
-            <a:off x="16371629" y="31603139"/>
-            <a:ext cx="12267084" cy="7478970"/>
+            <a:off x="16141258" y="32882223"/>
+            <a:ext cx="12526204" cy="6247864"/>
           </a:xfrm>
           <a:prstGeom prst="rect">
             <a:avLst/>
@@ -2895,23 +3025,84 @@
           </a:bodyPr>
           <a:lstStyle/>
           <a:p>
-            <a:r>
-              <a:rPr lang="en-US" sz="6000" dirty="0"/>
-              <a:t>Our findings indicate that vestibular stimulation does not influence hand representation</a:t>
-            </a:r>
-            <a:r>
-              <a:rPr lang="en-GB" sz="6000" dirty="0"/>
-              <a:t>. </a:t>
-            </a:r>
-            <a:r>
-              <a:rPr lang="en-US" sz="6000" dirty="0"/>
-              <a:t>There is no significant difference in overall length or width, regardless of the conditions compared. Contrary to previous findings, our results do not support changes in </a:t>
-            </a:r>
-            <a:r>
-              <a:rPr lang="en-US" sz="6000"/>
-              <a:t>body perception.</a:t>
-            </a:r>
-            <a:endParaRPr lang="en-CH" sz="6000" dirty="0"/>
+            <a:pPr marL="857250" indent="-857250">
+              <a:buFont typeface="Arial" panose="020B0604020202020204" pitchFamily="34" charset="0"/>
+              <a:buChar char="•"/>
+            </a:pPr>
+            <a:r>
+              <a:rPr lang="en-US" sz="4000" b="1" dirty="0">
+                <a:latin typeface="Times New Roman" panose="02020603050405020304" pitchFamily="18" charset="0"/>
+                <a:cs typeface="Times New Roman" panose="02020603050405020304" pitchFamily="18" charset="0"/>
+              </a:rPr>
+              <a:t>Our findings </a:t>
+            </a:r>
+            <a:r>
+              <a:rPr lang="en-US" sz="4000" dirty="0">
+                <a:latin typeface="Times New Roman" panose="02020603050405020304" pitchFamily="18" charset="0"/>
+                <a:cs typeface="Times New Roman" panose="02020603050405020304" pitchFamily="18" charset="0"/>
+              </a:rPr>
+              <a:t>indicate that vestibular stimulation does not influence hand representation</a:t>
+            </a:r>
+            <a:endParaRPr lang="en-GB" sz="4000" dirty="0">
+              <a:latin typeface="Times New Roman" panose="02020603050405020304" pitchFamily="18" charset="0"/>
+              <a:cs typeface="Times New Roman" panose="02020603050405020304" pitchFamily="18" charset="0"/>
+            </a:endParaRPr>
+          </a:p>
+          <a:p>
+            <a:pPr marL="857250" indent="-857250">
+              <a:buFont typeface="Arial" panose="020B0604020202020204" pitchFamily="34" charset="0"/>
+              <a:buChar char="•"/>
+            </a:pPr>
+            <a:r>
+              <a:rPr lang="en-US" sz="4000" dirty="0">
+                <a:latin typeface="Times New Roman" panose="02020603050405020304" pitchFamily="18" charset="0"/>
+                <a:cs typeface="Times New Roman" panose="02020603050405020304" pitchFamily="18" charset="0"/>
+              </a:rPr>
+              <a:t>There is no significant difference in overall length or width, regardless of the conditions compared</a:t>
+            </a:r>
+          </a:p>
+          <a:p>
+            <a:pPr marL="857250" indent="-857250">
+              <a:buFont typeface="Arial" panose="020B0604020202020204" pitchFamily="34" charset="0"/>
+              <a:buChar char="•"/>
+            </a:pPr>
+            <a:r>
+              <a:rPr lang="en-US" sz="4000" dirty="0">
+                <a:latin typeface="Times New Roman" panose="02020603050405020304" pitchFamily="18" charset="0"/>
+                <a:cs typeface="Times New Roman" panose="02020603050405020304" pitchFamily="18" charset="0"/>
+              </a:rPr>
+              <a:t>No significant change was found between the conditions with vestibular stimulation and the sham conditions</a:t>
+            </a:r>
+          </a:p>
+          <a:p>
+            <a:pPr marL="857250" indent="-857250">
+              <a:buFont typeface="Arial" panose="020B0604020202020204" pitchFamily="34" charset="0"/>
+              <a:buChar char="•"/>
+            </a:pPr>
+            <a:r>
+              <a:rPr lang="en-US" sz="4000" dirty="0">
+                <a:latin typeface="Times New Roman" panose="02020603050405020304" pitchFamily="18" charset="0"/>
+                <a:cs typeface="Times New Roman" panose="02020603050405020304" pitchFamily="18" charset="0"/>
+              </a:rPr>
+              <a:t>Because of this, all three hypothesis are discarded</a:t>
+            </a:r>
+          </a:p>
+          <a:p>
+            <a:pPr marL="857250" indent="-857250">
+              <a:buFont typeface="Arial" panose="020B0604020202020204" pitchFamily="34" charset="0"/>
+              <a:buChar char="•"/>
+            </a:pPr>
+            <a:r>
+              <a:rPr lang="en-US" sz="4000" dirty="0">
+                <a:latin typeface="Times New Roman" panose="02020603050405020304" pitchFamily="18" charset="0"/>
+                <a:cs typeface="Times New Roman" panose="02020603050405020304" pitchFamily="18" charset="0"/>
+              </a:rPr>
+              <a:t>Contrary to previous findings, our results do not support changes in body schema</a:t>
+            </a:r>
+            <a:endParaRPr lang="en-CH" sz="4000" dirty="0">
+              <a:latin typeface="Times New Roman" panose="02020603050405020304" pitchFamily="18" charset="0"/>
+              <a:cs typeface="Times New Roman" panose="02020603050405020304" pitchFamily="18" charset="0"/>
+            </a:endParaRPr>
           </a:p>
         </p:txBody>
       </p:sp>
@@ -2929,8 +3120,8 @@
         </p:nvSpPr>
         <p:spPr>
           <a:xfrm>
-            <a:off x="16511624" y="8417004"/>
-            <a:ext cx="6203466" cy="1092755"/>
+            <a:off x="16511624" y="7614306"/>
+            <a:ext cx="4570476" cy="1043209"/>
           </a:xfrm>
           <a:prstGeom prst="roundRect">
             <a:avLst/>
@@ -2960,62 +3151,15 @@
                 <a:solidFill>
                   <a:schemeClr val="tx1"/>
                 </a:solidFill>
+                <a:latin typeface="Arial" panose="020B0604020202020204" pitchFamily="34" charset="0"/>
+                <a:cs typeface="Arial" panose="020B0604020202020204" pitchFamily="34" charset="0"/>
               </a:rPr>
               <a:t>3. Results</a:t>
             </a:r>
-            <a:endParaRPr lang="en-CA" sz="6600" dirty="0"/>
-          </a:p>
-        </p:txBody>
-      </p:sp>
-      <p:sp>
-        <p:nvSpPr>
-          <p:cNvPr id="29" name="Rechteck: abgerundete Ecken 28">
-            <a:extLst>
-              <a:ext uri="{FF2B5EF4-FFF2-40B4-BE49-F238E27FC236}">
-                <a16:creationId xmlns:a16="http://schemas.microsoft.com/office/drawing/2014/main" id="{48ADBA7D-55FC-8F27-2D89-77DE3955E201}"/>
-              </a:ext>
-            </a:extLst>
-          </p:cNvPr>
-          <p:cNvSpPr/>
-          <p:nvPr/>
-        </p:nvSpPr>
-        <p:spPr>
-          <a:xfrm>
-            <a:off x="16552877" y="30066257"/>
-            <a:ext cx="6203466" cy="1092755"/>
-          </a:xfrm>
-          <a:prstGeom prst="roundRect">
-            <a:avLst/>
-          </a:prstGeom>
-        </p:spPr>
-        <p:style>
-          <a:lnRef idx="2">
-            <a:schemeClr val="dk1"/>
-          </a:lnRef>
-          <a:fillRef idx="1">
-            <a:schemeClr val="lt1"/>
-          </a:fillRef>
-          <a:effectRef idx="0">
-            <a:schemeClr val="dk1"/>
-          </a:effectRef>
-          <a:fontRef idx="minor">
-            <a:schemeClr val="dk1"/>
-          </a:fontRef>
-        </p:style>
-        <p:txBody>
-          <a:bodyPr rtlCol="0" anchor="ctr"/>
-          <a:lstStyle/>
-          <a:p>
-            <a:pPr algn="ctr"/>
-            <a:r>
-              <a:rPr lang="en-CA" sz="6600" dirty="0">
-                <a:solidFill>
-                  <a:schemeClr val="tx1"/>
-                </a:solidFill>
-              </a:rPr>
-              <a:t>4. Discussion</a:t>
-            </a:r>
-            <a:endParaRPr lang="en-CA" sz="6600" dirty="0"/>
+            <a:endParaRPr lang="en-CA" sz="6600" dirty="0">
+              <a:latin typeface="Arial" panose="020B0604020202020204" pitchFamily="34" charset="0"/>
+              <a:cs typeface="Arial" panose="020B0604020202020204" pitchFamily="34" charset="0"/>
+            </a:endParaRPr>
           </a:p>
         </p:txBody>
       </p:sp>
@@ -3091,8 +3235,8 @@
         </p:nvSpPr>
         <p:spPr>
           <a:xfrm>
-            <a:off x="1773629" y="40086676"/>
-            <a:ext cx="6203466" cy="1092755"/>
+            <a:off x="1773629" y="40086677"/>
+            <a:ext cx="4845233" cy="1183270"/>
           </a:xfrm>
           <a:prstGeom prst="roundRect">
             <a:avLst/>
@@ -3122,10 +3266,15 @@
                 <a:solidFill>
                   <a:schemeClr val="tx1"/>
                 </a:solidFill>
+                <a:latin typeface="Arial" panose="020B0604020202020204" pitchFamily="34" charset="0"/>
+                <a:cs typeface="Arial" panose="020B0604020202020204" pitchFamily="34" charset="0"/>
               </a:rPr>
               <a:t>References</a:t>
             </a:r>
-            <a:endParaRPr lang="en-CA" sz="6600" dirty="0"/>
+            <a:endParaRPr lang="en-CA" sz="6600" dirty="0">
+              <a:latin typeface="Arial" panose="020B0604020202020204" pitchFamily="34" charset="0"/>
+              <a:cs typeface="Arial" panose="020B0604020202020204" pitchFamily="34" charset="0"/>
+            </a:endParaRPr>
           </a:p>
         </p:txBody>
       </p:sp>
@@ -3617,7 +3766,7 @@
         <p:spPr>
           <a:xfrm>
             <a:off x="12268218" y="32916473"/>
-            <a:ext cx="1791017" cy="1107996"/>
+            <a:ext cx="1956133" cy="1107996"/>
           </a:xfrm>
           <a:prstGeom prst="rect">
             <a:avLst/>
@@ -3631,7 +3780,10 @@
           <a:lstStyle/>
           <a:p>
             <a:r>
-              <a:rPr lang="de-CH" sz="6600" dirty="0"/>
+              <a:rPr lang="de-CH" sz="6600" dirty="0">
+                <a:latin typeface="Times New Roman" panose="02020603050405020304" pitchFamily="18" charset="0"/>
+                <a:cs typeface="Times New Roman" panose="02020603050405020304" pitchFamily="18" charset="0"/>
+              </a:rPr>
               <a:t>47°C</a:t>
             </a:r>
           </a:p>
@@ -3652,7 +3804,7 @@
         <p:spPr>
           <a:xfrm>
             <a:off x="8819898" y="32916473"/>
-            <a:ext cx="1791017" cy="1107996"/>
+            <a:ext cx="1956133" cy="1107996"/>
           </a:xfrm>
           <a:prstGeom prst="rect">
             <a:avLst/>
@@ -3666,7 +3818,10 @@
           <a:lstStyle/>
           <a:p>
             <a:r>
-              <a:rPr lang="de-CH" sz="6600" dirty="0"/>
+              <a:rPr lang="de-CH" sz="6600" dirty="0">
+                <a:latin typeface="Times New Roman" panose="02020603050405020304" pitchFamily="18" charset="0"/>
+                <a:cs typeface="Times New Roman" panose="02020603050405020304" pitchFamily="18" charset="0"/>
+              </a:rPr>
               <a:t>20°C</a:t>
             </a:r>
           </a:p>
@@ -3734,7 +3889,7 @@
         <p:spPr>
           <a:xfrm>
             <a:off x="5367840" y="32882220"/>
-            <a:ext cx="1791017" cy="1107996"/>
+            <a:ext cx="1956133" cy="1107996"/>
           </a:xfrm>
           <a:prstGeom prst="rect">
             <a:avLst/>
@@ -3748,7 +3903,10 @@
           <a:lstStyle/>
           <a:p>
             <a:r>
-              <a:rPr lang="de-CH" sz="6600" dirty="0"/>
+              <a:rPr lang="de-CH" sz="6600" dirty="0">
+                <a:latin typeface="Times New Roman" panose="02020603050405020304" pitchFamily="18" charset="0"/>
+                <a:cs typeface="Times New Roman" panose="02020603050405020304" pitchFamily="18" charset="0"/>
+              </a:rPr>
               <a:t>37°C</a:t>
             </a:r>
           </a:p>
@@ -3769,7 +3927,7 @@
         <p:spPr>
           <a:xfrm>
             <a:off x="1919520" y="32882220"/>
-            <a:ext cx="1791017" cy="1107996"/>
+            <a:ext cx="2215162" cy="1107996"/>
           </a:xfrm>
           <a:prstGeom prst="rect">
             <a:avLst/>
@@ -3783,7 +3941,10 @@
           <a:lstStyle/>
           <a:p>
             <a:r>
-              <a:rPr lang="de-CH" sz="6600" dirty="0"/>
+              <a:rPr lang="de-CH" sz="6600" dirty="0">
+                <a:latin typeface="Times New Roman" panose="02020603050405020304" pitchFamily="18" charset="0"/>
+                <a:cs typeface="Times New Roman" panose="02020603050405020304" pitchFamily="18" charset="0"/>
+              </a:rPr>
               <a:t>37°C</a:t>
             </a:r>
           </a:p>
@@ -3854,7 +4015,7 @@
         </p:nvSpPr>
         <p:spPr>
           <a:xfrm>
-            <a:off x="1978039" y="22843088"/>
+            <a:off x="1922264" y="21791805"/>
             <a:ext cx="12383776" cy="1015663"/>
           </a:xfrm>
           <a:prstGeom prst="rect">
@@ -3869,7 +4030,10 @@
           <a:lstStyle/>
           <a:p>
             <a:r>
-              <a:rPr lang="en-GB" sz="6000" b="1" dirty="0"/>
+              <a:rPr lang="en-GB" sz="4000" b="1" dirty="0">
+                <a:latin typeface="Times New Roman" panose="02020603050405020304" pitchFamily="18" charset="0"/>
+                <a:cs typeface="Times New Roman" panose="02020603050405020304" pitchFamily="18" charset="0"/>
+              </a:rPr>
               <a:t>Task</a:t>
             </a:r>
             <a:r>
@@ -3893,7 +4057,7 @@
         </p:nvSpPr>
         <p:spPr>
           <a:xfrm>
-            <a:off x="1978039" y="27450987"/>
+            <a:off x="1973867" y="26902945"/>
             <a:ext cx="12383776" cy="1015663"/>
           </a:xfrm>
           <a:prstGeom prst="rect">
@@ -3908,7 +4072,10 @@
           <a:lstStyle/>
           <a:p>
             <a:r>
-              <a:rPr lang="en-GB" sz="6000" b="1" dirty="0"/>
+              <a:rPr lang="en-GB" sz="4000" b="1" dirty="0">
+                <a:latin typeface="Times New Roman" panose="02020603050405020304" pitchFamily="18" charset="0"/>
+                <a:cs typeface="Times New Roman" panose="02020603050405020304" pitchFamily="18" charset="0"/>
+              </a:rPr>
               <a:t>Conditions</a:t>
             </a:r>
             <a:r>
@@ -3932,7 +4099,7 @@
         </p:nvSpPr>
         <p:spPr>
           <a:xfrm>
-            <a:off x="9449305" y="24738641"/>
+            <a:off x="9449305" y="24190001"/>
             <a:ext cx="1061311" cy="965628"/>
           </a:xfrm>
           <a:prstGeom prst="donut">
@@ -3992,7 +4159,7 @@
         </p:nvSpPr>
         <p:spPr>
           <a:xfrm>
-            <a:off x="5557551" y="25038761"/>
+            <a:off x="5557551" y="24490121"/>
             <a:ext cx="1061311" cy="965628"/>
           </a:xfrm>
           <a:prstGeom prst="donut">
@@ -4052,7 +4219,7 @@
         </p:nvSpPr>
         <p:spPr>
           <a:xfrm>
-            <a:off x="7735928" y="24337390"/>
+            <a:off x="7735928" y="23788750"/>
             <a:ext cx="1061311" cy="965628"/>
           </a:xfrm>
           <a:prstGeom prst="donut">
@@ -4112,7 +4279,7 @@
         </p:nvSpPr>
         <p:spPr>
           <a:xfrm>
-            <a:off x="7323973" y="25704269"/>
+            <a:off x="7323973" y="25155629"/>
             <a:ext cx="1061311" cy="965628"/>
           </a:xfrm>
           <a:prstGeom prst="donut">
@@ -4185,8 +4352,8 @@
         </p:blipFill>
         <p:spPr>
           <a:xfrm>
-            <a:off x="16740183" y="12000164"/>
-            <a:ext cx="11529976" cy="6535806"/>
+            <a:off x="16540830" y="10026201"/>
+            <a:ext cx="11529976" cy="8459352"/>
           </a:xfrm>
           <a:prstGeom prst="rect">
             <a:avLst/>
@@ -4225,8 +4392,8 @@
         </p:blipFill>
         <p:spPr>
           <a:xfrm>
-            <a:off x="16639372" y="21489849"/>
-            <a:ext cx="11529976" cy="6535806"/>
+            <a:off x="16463132" y="20072870"/>
+            <a:ext cx="11529976" cy="8590472"/>
           </a:xfrm>
           <a:prstGeom prst="rect">
             <a:avLst/>
@@ -4252,8 +4419,8 @@
         </p:nvSpPr>
         <p:spPr>
           <a:xfrm>
-            <a:off x="16564455" y="10234977"/>
-            <a:ext cx="12383776" cy="1015663"/>
+            <a:off x="16212472" y="8938220"/>
+            <a:ext cx="12383776" cy="707886"/>
           </a:xfrm>
           <a:prstGeom prst="rect">
             <a:avLst/>
@@ -4267,10 +4434,17 @@
           <a:lstStyle/>
           <a:p>
             <a:r>
-              <a:rPr lang="en-GB" sz="6000" b="1" dirty="0"/>
-              <a:t>Length:</a:t>
-            </a:r>
-            <a:endParaRPr lang="en-GB" sz="4800" dirty="0"/>
+              <a:rPr lang="en-GB" sz="4000" dirty="0">
+                <a:latin typeface="Times New Roman" panose="02020603050405020304" pitchFamily="18" charset="0"/>
+                <a:cs typeface="Times New Roman" panose="02020603050405020304" pitchFamily="18" charset="0"/>
+              </a:rPr>
+              <a:t>Length of left hand</a:t>
+            </a:r>
+            <a:r>
+              <a:rPr lang="en-GB" sz="4000" b="1" dirty="0"/>
+              <a:t>:</a:t>
+            </a:r>
+            <a:endParaRPr lang="en-GB" sz="4000" dirty="0"/>
           </a:p>
         </p:txBody>
       </p:sp>
@@ -4288,8 +4462,8 @@
         </p:nvSpPr>
         <p:spPr>
           <a:xfrm>
-            <a:off x="16639372" y="19722709"/>
-            <a:ext cx="12383776" cy="1015663"/>
+            <a:off x="16212472" y="18898779"/>
+            <a:ext cx="12383776" cy="707886"/>
           </a:xfrm>
           <a:prstGeom prst="rect">
             <a:avLst/>
@@ -4303,10 +4477,127 @@
           <a:lstStyle/>
           <a:p>
             <a:r>
-              <a:rPr lang="en-GB" sz="6000" b="1" dirty="0"/>
-              <a:t>Width:</a:t>
-            </a:r>
-            <a:endParaRPr lang="en-GB" sz="4800" dirty="0"/>
+              <a:rPr lang="en-GB" sz="4000" dirty="0">
+                <a:latin typeface="Times New Roman" panose="02020603050405020304" pitchFamily="18" charset="0"/>
+                <a:cs typeface="Times New Roman" panose="02020603050405020304" pitchFamily="18" charset="0"/>
+              </a:rPr>
+              <a:t>Width of left hand</a:t>
+            </a:r>
+            <a:r>
+              <a:rPr lang="en-GB" sz="4000" b="1" dirty="0"/>
+              <a:t>:</a:t>
+            </a:r>
+            <a:endParaRPr lang="en-GB" sz="4000" dirty="0"/>
+          </a:p>
+        </p:txBody>
+      </p:sp>
+      <p:sp>
+        <p:nvSpPr>
+          <p:cNvPr id="19" name="Rechteck: abgerundete Ecken 18">
+            <a:extLst>
+              <a:ext uri="{FF2B5EF4-FFF2-40B4-BE49-F238E27FC236}">
+                <a16:creationId xmlns:a16="http://schemas.microsoft.com/office/drawing/2014/main" id="{F64000C5-406B-B89B-E0C8-8755AB254131}"/>
+              </a:ext>
+            </a:extLst>
+          </p:cNvPr>
+          <p:cNvSpPr/>
+          <p:nvPr/>
+        </p:nvSpPr>
+        <p:spPr>
+          <a:xfrm>
+            <a:off x="16511624" y="31328070"/>
+            <a:ext cx="5794194" cy="1140927"/>
+          </a:xfrm>
+          <a:prstGeom prst="roundRect">
+            <a:avLst/>
+          </a:prstGeom>
+        </p:spPr>
+        <p:style>
+          <a:lnRef idx="2">
+            <a:schemeClr val="dk1"/>
+          </a:lnRef>
+          <a:fillRef idx="1">
+            <a:schemeClr val="lt1"/>
+          </a:fillRef>
+          <a:effectRef idx="0">
+            <a:schemeClr val="dk1"/>
+          </a:effectRef>
+          <a:fontRef idx="minor">
+            <a:schemeClr val="dk1"/>
+          </a:fontRef>
+        </p:style>
+        <p:txBody>
+          <a:bodyPr rtlCol="0" anchor="ctr"/>
+          <a:lstStyle/>
+          <a:p>
+            <a:pPr algn="ctr"/>
+            <a:r>
+              <a:rPr lang="en-CA" sz="6600" dirty="0">
+                <a:solidFill>
+                  <a:schemeClr val="tx1"/>
+                </a:solidFill>
+              </a:rPr>
+              <a:t>4. </a:t>
+            </a:r>
+            <a:r>
+              <a:rPr lang="en-CA" sz="6600" dirty="0">
+                <a:solidFill>
+                  <a:schemeClr val="tx1"/>
+                </a:solidFill>
+                <a:latin typeface="Arial" panose="020B0604020202020204" pitchFamily="34" charset="0"/>
+                <a:cs typeface="Arial" panose="020B0604020202020204" pitchFamily="34" charset="0"/>
+              </a:rPr>
+              <a:t>Conclusion</a:t>
+            </a:r>
+            <a:endParaRPr lang="en-CA" sz="6600" dirty="0">
+              <a:latin typeface="Arial" panose="020B0604020202020204" pitchFamily="34" charset="0"/>
+              <a:cs typeface="Arial" panose="020B0604020202020204" pitchFamily="34" charset="0"/>
+            </a:endParaRPr>
+          </a:p>
+        </p:txBody>
+      </p:sp>
+      <p:sp>
+        <p:nvSpPr>
+          <p:cNvPr id="20" name="Textfeld 19">
+            <a:extLst>
+              <a:ext uri="{FF2B5EF4-FFF2-40B4-BE49-F238E27FC236}">
+                <a16:creationId xmlns:a16="http://schemas.microsoft.com/office/drawing/2014/main" id="{83B72BBE-A8D4-B8B3-209E-16FB734751F2}"/>
+              </a:ext>
+            </a:extLst>
+          </p:cNvPr>
+          <p:cNvSpPr txBox="1"/>
+          <p:nvPr/>
+        </p:nvSpPr>
+        <p:spPr>
+          <a:xfrm>
+            <a:off x="16212472" y="29129547"/>
+            <a:ext cx="12383776" cy="1323439"/>
+          </a:xfrm>
+          <a:prstGeom prst="rect">
+            <a:avLst/>
+          </a:prstGeom>
+          <a:noFill/>
+        </p:spPr>
+        <p:txBody>
+          <a:bodyPr wrap="square" rtlCol="0">
+            <a:spAutoFit/>
+          </a:bodyPr>
+          <a:lstStyle/>
+          <a:p>
+            <a:r>
+              <a:rPr lang="en-GB" sz="4000" b="1" dirty="0">
+                <a:latin typeface="Times New Roman" panose="02020603050405020304" pitchFamily="18" charset="0"/>
+                <a:cs typeface="Times New Roman" panose="02020603050405020304" pitchFamily="18" charset="0"/>
+              </a:rPr>
+              <a:t>Findings: </a:t>
+            </a:r>
+            <a:r>
+              <a:rPr lang="en-GB" sz="4000" dirty="0">
+                <a:latin typeface="Times New Roman" panose="02020603050405020304" pitchFamily="18" charset="0"/>
+                <a:cs typeface="Times New Roman" panose="02020603050405020304" pitchFamily="18" charset="0"/>
+              </a:rPr>
+              <a:t>No significant difference between the conditions or within the questionnaire.</a:t>
+            </a:r>
           </a:p>
         </p:txBody>
       </p:sp>
